--- a/canvas/ResearchCanvas.pptx
+++ b/canvas/ResearchCanvas.pptx
@@ -7,9 +7,16 @@
   <p:notesMasterIdLst>
     <p:notesMasterId r:id="rId4"/>
   </p:notesMasterIdLst>
+  <p:handoutMasterIdLst>
+    <p:handoutMasterId r:id="rId10"/>
+  </p:handoutMasterIdLst>
   <p:sldIdLst>
     <p:sldId id="258" r:id="rId3"/>
-    <p:sldId id="257" r:id="rId5"/>
+    <p:sldId id="259" r:id="rId5"/>
+    <p:sldId id="262" r:id="rId6"/>
+    <p:sldId id="263" r:id="rId7"/>
+    <p:sldId id="261" r:id="rId8"/>
+    <p:sldId id="264" r:id="rId9"/>
   </p:sldIdLst>
   <p:sldSz cx="12192000" cy="6858000"/>
   <p:notesSz cx="6858000" cy="9144000"/>
@@ -109,6 +116,164 @@
     </a:lvl9pPr>
   </p:defaultTextStyle>
 </p:presentation>
+</file>
+
+<file path=ppt/handoutMasters/handoutMaster1.xml><?xml version="1.0" encoding="utf-8"?>
+<p:handoutMaster xmlns:a="http://schemas.openxmlformats.org/drawingml/2006/main" xmlns:r="http://schemas.openxmlformats.org/officeDocument/2006/relationships" xmlns:p="http://schemas.openxmlformats.org/presentationml/2006/main">
+  <p:cSld>
+    <p:bg>
+      <p:bgRef idx="1001">
+        <a:schemeClr val="bg1"/>
+      </p:bgRef>
+    </p:bg>
+    <p:spTree>
+      <p:nvGrpSpPr>
+        <p:cNvPr id="1" name=""/>
+        <p:cNvGrpSpPr/>
+        <p:nvPr/>
+      </p:nvGrpSpPr>
+      <p:grpSpPr>
+        <a:xfrm>
+          <a:off x="0" y="0"/>
+          <a:ext cx="0" cy="0"/>
+          <a:chOff x="0" y="0"/>
+          <a:chExt cx="0" cy="0"/>
+        </a:xfrm>
+      </p:grpSpPr>
+      <p:sp>
+        <p:nvSpPr>
+          <p:cNvPr id="2" name="Header Placeholder 1"/>
+          <p:cNvSpPr>
+            <a:spLocks noGrp="1"/>
+          </p:cNvSpPr>
+          <p:nvPr>
+            <p:ph type="hdr" sz="quarter"/>
+          </p:nvPr>
+        </p:nvSpPr>
+        <p:spPr>
+          <a:xfrm>
+            <a:off x="0" y="0"/>
+            <a:ext cx="2971800" cy="458788"/>
+          </a:xfrm>
+          <a:prstGeom prst="rect">
+            <a:avLst/>
+          </a:prstGeom>
+        </p:spPr>
+        <p:txBody>
+          <a:bodyPr vert="horz" lIns="91440" tIns="45720" rIns="91440" bIns="45720" rtlCol="0"/>
+          <a:lstStyle>
+            <a:lvl1pPr algn="l">
+              <a:defRPr sz="1200"/>
+            </a:lvl1pPr>
+          </a:lstStyle>
+          <a:p>
+            <a:endParaRPr lang="en-US"/>
+          </a:p>
+        </p:txBody>
+      </p:sp>
+      <p:sp>
+        <p:nvSpPr>
+          <p:cNvPr id="3" name="Date Placeholder 2"/>
+          <p:cNvSpPr>
+            <a:spLocks noGrp="1"/>
+          </p:cNvSpPr>
+          <p:nvPr>
+            <p:ph type="dt" sz="quarter" idx="1"/>
+          </p:nvPr>
+        </p:nvSpPr>
+        <p:spPr>
+          <a:xfrm>
+            <a:off x="3884613" y="0"/>
+            <a:ext cx="2971800" cy="458788"/>
+          </a:xfrm>
+          <a:prstGeom prst="rect">
+            <a:avLst/>
+          </a:prstGeom>
+        </p:spPr>
+        <p:txBody>
+          <a:bodyPr vert="horz" lIns="91440" tIns="45720" rIns="91440" bIns="45720" rtlCol="0"/>
+          <a:lstStyle>
+            <a:lvl1pPr algn="r">
+              <a:defRPr sz="1200"/>
+            </a:lvl1pPr>
+          </a:lstStyle>
+          <a:p>
+            <a:fld id="{696C064A-D61B-4B21-B757-51A9B82445B8}" type="datetimeFigureOut">
+              <a:rPr lang="en-US" smtClean="0"/>
+            </a:fld>
+            <a:endParaRPr lang="en-US"/>
+          </a:p>
+        </p:txBody>
+      </p:sp>
+      <p:sp>
+        <p:nvSpPr>
+          <p:cNvPr id="4" name="Footer Placeholder 3"/>
+          <p:cNvSpPr>
+            <a:spLocks noGrp="1"/>
+          </p:cNvSpPr>
+          <p:nvPr>
+            <p:ph type="ftr" sz="quarter" idx="2"/>
+          </p:nvPr>
+        </p:nvSpPr>
+        <p:spPr>
+          <a:xfrm>
+            <a:off x="0" y="8685213"/>
+            <a:ext cx="2971800" cy="458787"/>
+          </a:xfrm>
+          <a:prstGeom prst="rect">
+            <a:avLst/>
+          </a:prstGeom>
+        </p:spPr>
+        <p:txBody>
+          <a:bodyPr vert="horz" lIns="91440" tIns="45720" rIns="91440" bIns="45720" rtlCol="0" anchor="b"/>
+          <a:lstStyle>
+            <a:lvl1pPr algn="l">
+              <a:defRPr sz="1200"/>
+            </a:lvl1pPr>
+          </a:lstStyle>
+          <a:p>
+            <a:endParaRPr lang="en-US"/>
+          </a:p>
+        </p:txBody>
+      </p:sp>
+      <p:sp>
+        <p:nvSpPr>
+          <p:cNvPr id="5" name="Slide Number Placeholder 4"/>
+          <p:cNvSpPr>
+            <a:spLocks noGrp="1"/>
+          </p:cNvSpPr>
+          <p:nvPr>
+            <p:ph type="sldNum" sz="quarter" idx="3"/>
+          </p:nvPr>
+        </p:nvSpPr>
+        <p:spPr>
+          <a:xfrm>
+            <a:off x="3884613" y="8685213"/>
+            <a:ext cx="2971800" cy="458787"/>
+          </a:xfrm>
+          <a:prstGeom prst="rect">
+            <a:avLst/>
+          </a:prstGeom>
+        </p:spPr>
+        <p:txBody>
+          <a:bodyPr vert="horz" lIns="91440" tIns="45720" rIns="91440" bIns="45720" rtlCol="0" anchor="b"/>
+          <a:lstStyle>
+            <a:lvl1pPr algn="r">
+              <a:defRPr sz="1200"/>
+            </a:lvl1pPr>
+          </a:lstStyle>
+          <a:p>
+            <a:fld id="{50305E07-67EA-4042-A3F6-853A8AD8D209}" type="slidenum">
+              <a:rPr lang="en-US" smtClean="0"/>
+            </a:fld>
+            <a:endParaRPr lang="en-US"/>
+          </a:p>
+        </p:txBody>
+      </p:sp>
+    </p:spTree>
+  </p:cSld>
+  <p:clrMap bg1="lt1" tx1="dk1" bg2="lt2" tx2="dk2" accent1="accent1" accent2="accent2" accent3="accent3" accent4="accent4" accent5="accent5" accent6="accent6" hlink="hlink" folHlink="folHlink"/>
+</p:handoutMaster>
 </file>
 
 <file path=ppt/notesMasters/notesMaster1.xml><?xml version="1.0" encoding="utf-8"?>
@@ -3350,584 +3515,1993 @@
           <a:chExt cx="0" cy="0"/>
         </a:xfrm>
       </p:grpSpPr>
-      <p:graphicFrame>
-        <p:nvGraphicFramePr>
-          <p:cNvPr id="2" name="Table 1"/>
-          <p:cNvGraphicFramePr>
-            <a:graphicFrameLocks noGrp="1"/>
-          </p:cNvGraphicFramePr>
-          <p:nvPr/>
-        </p:nvGraphicFramePr>
-        <p:xfrm>
-          <a:off x="18638" y="70648"/>
-          <a:ext cx="12103456" cy="6704492"/>
-        </p:xfrm>
-        <a:graphic>
-          <a:graphicData uri="http://schemas.openxmlformats.org/drawingml/2006/table">
-            <a:tbl>
-              <a:tblPr firstRow="1" bandRow="1">
-                <a:tableStyleId>{5C22544A-7EE6-4342-B048-85BDC9FD1C3A}</a:tableStyleId>
-              </a:tblPr>
-              <a:tblGrid>
-                <a:gridCol w="2679738"/>
-                <a:gridCol w="2460853"/>
-                <a:gridCol w="2747642"/>
-                <a:gridCol w="4215223"/>
-              </a:tblGrid>
-              <a:tr h="385660">
-                <a:tc>
-                  <a:txBody>
-                    <a:bodyPr/>
-                    <a:lstStyle/>
-                    <a:p>
-                      <a:r>
-                        <a:rPr lang="en-IE" sz="1200" dirty="0" smtClean="0"/>
-                        <a:t>Student Name:</a:t>
-                      </a:r>
-                      <a:r>
-                        <a:rPr lang="" altLang="en-IE" sz="1200" dirty="0" smtClean="0"/>
-                        <a:t>JIAJIN ZHAO</a:t>
-                      </a:r>
-                      <a:endParaRPr lang="" altLang="en-IE" sz="1200" dirty="0" smtClean="0"/>
-                    </a:p>
-                  </a:txBody>
-                  <a:tcPr>
-                    <a:lnB w="12700" cap="flat" cmpd="sng" algn="ctr">
-                      <a:solidFill>
-                        <a:schemeClr val="tx1"/>
-                      </a:solidFill>
-                      <a:prstDash val="solid"/>
-                      <a:round/>
-                      <a:headEnd type="none" w="med" len="med"/>
-                      <a:tailEnd type="none" w="med" len="med"/>
-                    </a:lnB>
-                  </a:tcPr>
-                </a:tc>
-                <a:tc>
-                  <a:txBody>
-                    <a:bodyPr/>
-                    <a:lstStyle/>
-                    <a:p>
-                      <a:r>
-                        <a:rPr lang="en-IE" sz="1200" dirty="0" smtClean="0"/>
-                        <a:t>Student ID:</a:t>
-                      </a:r>
-                      <a:r>
-                        <a:rPr lang="" altLang="en-IE" sz="1200" dirty="0" smtClean="0"/>
-                        <a:t>19300809</a:t>
-                      </a:r>
-                      <a:endParaRPr lang="" altLang="en-IE" sz="1200" dirty="0" smtClean="0"/>
-                    </a:p>
-                  </a:txBody>
-                  <a:tcPr>
-                    <a:lnB w="12700" cap="flat" cmpd="sng" algn="ctr">
-                      <a:solidFill>
-                        <a:schemeClr val="tx1"/>
-                      </a:solidFill>
-                      <a:prstDash val="solid"/>
-                      <a:round/>
-                      <a:headEnd type="none" w="med" len="med"/>
-                      <a:tailEnd type="none" w="med" len="med"/>
-                    </a:lnB>
-                  </a:tcPr>
-                </a:tc>
-                <a:tc>
-                  <a:txBody>
-                    <a:bodyPr/>
-                    <a:lstStyle/>
-                    <a:p>
-                      <a:r>
-                        <a:rPr lang="en-IE" sz="1200" dirty="0" smtClean="0"/>
-                        <a:t>Stream:</a:t>
-                      </a:r>
-                      <a:r>
-                        <a:rPr lang="" altLang="en-IE" sz="1200" dirty="0" smtClean="0"/>
-                        <a:t>Future Networked Systems</a:t>
-                      </a:r>
-                      <a:endParaRPr lang="" altLang="en-IE" sz="1200" dirty="0" smtClean="0"/>
-                    </a:p>
-                  </a:txBody>
-                  <a:tcPr>
-                    <a:lnB w="12700" cap="flat" cmpd="sng" algn="ctr">
-                      <a:solidFill>
-                        <a:schemeClr val="tx1"/>
-                      </a:solidFill>
-                      <a:prstDash val="solid"/>
-                      <a:round/>
-                      <a:headEnd type="none" w="med" len="med"/>
-                      <a:tailEnd type="none" w="med" len="med"/>
-                    </a:lnB>
-                  </a:tcPr>
-                </a:tc>
-                <a:tc>
-                  <a:txBody>
-                    <a:bodyPr/>
-                    <a:lstStyle/>
-                    <a:p>
-                      <a:r>
-                        <a:rPr lang="en-IE" sz="1200" dirty="0" smtClean="0"/>
-                        <a:t>Supervisor Name:</a:t>
-                      </a:r>
-                      <a:endParaRPr lang="en-IE" sz="1200" dirty="0"/>
-                    </a:p>
-                  </a:txBody>
-                  <a:tcPr>
-                    <a:lnB w="12700" cap="flat" cmpd="sng" algn="ctr">
-                      <a:solidFill>
-                        <a:schemeClr val="tx1"/>
-                      </a:solidFill>
-                      <a:prstDash val="solid"/>
-                      <a:round/>
-                      <a:headEnd type="none" w="med" len="med"/>
-                      <a:tailEnd type="none" w="med" len="med"/>
-                    </a:lnB>
-                  </a:tcPr>
-                </a:tc>
-              </a:tr>
-              <a:tr h="798281">
-                <a:tc gridSpan="4">
-                  <a:txBody>
-                    <a:bodyPr/>
-                    <a:lstStyle/>
-                    <a:p>
-                      <a:r>
-                        <a:rPr lang="en-IE" sz="1800" b="1" dirty="0" smtClean="0"/>
-                        <a:t>1. Research Question/Aim:</a:t>
-                      </a:r>
-                      <a:endParaRPr lang="en-IE" sz="1800" b="1" dirty="0" smtClean="0"/>
-                    </a:p>
-                    <a:p>
-                      <a:endParaRPr lang="en-IE" sz="1200" b="1" dirty="0"/>
-                    </a:p>
-                  </a:txBody>
-                  <a:tcPr>
-                    <a:lnL w="12700" cap="flat" cmpd="sng" algn="ctr">
-                      <a:solidFill>
-                        <a:schemeClr val="tx1"/>
-                      </a:solidFill>
-                      <a:prstDash val="solid"/>
-                      <a:round/>
-                      <a:headEnd type="none" w="med" len="med"/>
-                      <a:tailEnd type="none" w="med" len="med"/>
-                    </a:lnL>
-                    <a:lnR w="12700" cap="flat" cmpd="sng" algn="ctr">
-                      <a:solidFill>
-                        <a:schemeClr val="tx1"/>
-                      </a:solidFill>
-                      <a:prstDash val="solid"/>
-                      <a:round/>
-                      <a:headEnd type="none" w="med" len="med"/>
-                      <a:tailEnd type="none" w="med" len="med"/>
-                    </a:lnR>
-                    <a:lnT w="12700" cap="flat" cmpd="sng" algn="ctr">
-                      <a:solidFill>
-                        <a:schemeClr val="tx1"/>
-                      </a:solidFill>
-                      <a:prstDash val="solid"/>
-                      <a:round/>
-                      <a:headEnd type="none" w="med" len="med"/>
-                      <a:tailEnd type="none" w="med" len="med"/>
-                    </a:lnT>
-                    <a:lnB w="12700" cap="flat" cmpd="sng" algn="ctr">
-                      <a:solidFill>
-                        <a:schemeClr val="tx1"/>
-                      </a:solidFill>
-                      <a:prstDash val="solid"/>
-                      <a:round/>
-                      <a:headEnd type="none" w="med" len="med"/>
-                      <a:tailEnd type="none" w="med" len="med"/>
-                    </a:lnB>
-                    <a:solidFill>
-                      <a:schemeClr val="bg1">
-                        <a:lumMod val="95000"/>
-                      </a:schemeClr>
-                    </a:solidFill>
-                  </a:tcPr>
-                </a:tc>
-                <a:tc hMerge="1">
-                  <a:tcPr/>
-                </a:tc>
-                <a:tc hMerge="1">
-                  <a:tcPr>
-                    <a:solidFill>
-                      <a:schemeClr val="bg1">
-                        <a:lumMod val="95000"/>
-                      </a:schemeClr>
-                    </a:solidFill>
-                  </a:tcPr>
-                </a:tc>
-                <a:tc hMerge="1">
-                  <a:tcPr/>
-                </a:tc>
-              </a:tr>
-              <a:tr h="2515386">
-                <a:tc gridSpan="2">
-                  <a:txBody>
-                    <a:bodyPr/>
-                    <a:lstStyle/>
-                    <a:p>
-                      <a:r>
-                        <a:rPr lang="en-IE" sz="1800" b="1" dirty="0" smtClean="0"/>
-                        <a:t>2. Research</a:t>
-                      </a:r>
-                      <a:r>
-                        <a:rPr lang="en-IE" sz="1800" b="1" baseline="0" dirty="0" smtClean="0"/>
-                        <a:t> Objectives</a:t>
-                      </a:r>
-                      <a:endParaRPr lang="en-IE" sz="1800" b="1" baseline="0" dirty="0" smtClean="0"/>
-                    </a:p>
-                    <a:p>
-                      <a:endParaRPr lang="en-IE" sz="1200" b="1" baseline="0" dirty="0" smtClean="0"/>
-                    </a:p>
-                  </a:txBody>
-                  <a:tcPr>
-                    <a:lnL w="12700" cap="flat" cmpd="sng" algn="ctr">
-                      <a:solidFill>
-                        <a:schemeClr val="tx1"/>
-                      </a:solidFill>
-                      <a:prstDash val="solid"/>
-                      <a:round/>
-                      <a:headEnd type="none" w="med" len="med"/>
-                      <a:tailEnd type="none" w="med" len="med"/>
-                    </a:lnL>
-                    <a:lnR w="12700" cap="flat" cmpd="sng" algn="ctr">
-                      <a:solidFill>
-                        <a:schemeClr val="tx1"/>
-                      </a:solidFill>
-                      <a:prstDash val="solid"/>
-                      <a:round/>
-                      <a:headEnd type="none" w="med" len="med"/>
-                      <a:tailEnd type="none" w="med" len="med"/>
-                    </a:lnR>
-                    <a:lnT w="12700" cap="flat" cmpd="sng" algn="ctr">
-                      <a:solidFill>
-                        <a:schemeClr val="tx1"/>
-                      </a:solidFill>
-                      <a:prstDash val="solid"/>
-                      <a:round/>
-                      <a:headEnd type="none" w="med" len="med"/>
-                      <a:tailEnd type="none" w="med" len="med"/>
-                    </a:lnT>
-                    <a:lnB w="12700" cap="flat" cmpd="sng" algn="ctr">
-                      <a:solidFill>
-                        <a:schemeClr val="tx1"/>
-                      </a:solidFill>
-                      <a:prstDash val="solid"/>
-                      <a:round/>
-                      <a:headEnd type="none" w="med" len="med"/>
-                      <a:tailEnd type="none" w="med" len="med"/>
-                    </a:lnB>
-                    <a:solidFill>
-                      <a:schemeClr val="bg1">
-                        <a:lumMod val="95000"/>
-                      </a:schemeClr>
-                    </a:solidFill>
-                  </a:tcPr>
-                </a:tc>
-                <a:tc hMerge="1">
-                  <a:tcPr/>
-                </a:tc>
-                <a:tc gridSpan="2">
-                  <a:txBody>
-                    <a:bodyPr/>
-                    <a:lstStyle/>
-                    <a:p>
-                      <a:r>
-                        <a:rPr lang="en-IE" sz="1400" b="1" dirty="0" smtClean="0"/>
-                        <a:t>3. </a:t>
-                      </a:r>
-                      <a:r>
-                        <a:rPr lang="en-IE" sz="1800" b="1" dirty="0" smtClean="0"/>
-                        <a:t>Approach/Method</a:t>
-                      </a:r>
-                      <a:r>
-                        <a:rPr lang="en-IE" sz="1800" b="1" baseline="0" dirty="0" smtClean="0"/>
-                        <a:t> to achieve objectives</a:t>
-                      </a:r>
-                      <a:endParaRPr lang="en-IE" sz="1800" b="1" baseline="0" dirty="0" smtClean="0"/>
-                    </a:p>
-                    <a:p>
-                      <a:endParaRPr lang="en-IE" sz="1200" b="1" baseline="0" dirty="0" smtClean="0"/>
-                    </a:p>
-                  </a:txBody>
-                  <a:tcPr>
-                    <a:lnL w="12700" cap="flat" cmpd="sng" algn="ctr">
-                      <a:solidFill>
-                        <a:schemeClr val="tx1"/>
-                      </a:solidFill>
-                      <a:prstDash val="solid"/>
-                      <a:round/>
-                      <a:headEnd type="none" w="med" len="med"/>
-                      <a:tailEnd type="none" w="med" len="med"/>
-                    </a:lnL>
-                    <a:lnR w="12700" cap="flat" cmpd="sng" algn="ctr">
-                      <a:solidFill>
-                        <a:schemeClr val="tx1"/>
-                      </a:solidFill>
-                      <a:prstDash val="solid"/>
-                      <a:round/>
-                      <a:headEnd type="none" w="med" len="med"/>
-                      <a:tailEnd type="none" w="med" len="med"/>
-                    </a:lnR>
-                    <a:lnT w="12700" cap="flat" cmpd="sng" algn="ctr">
-                      <a:solidFill>
-                        <a:schemeClr val="tx1"/>
-                      </a:solidFill>
-                      <a:prstDash val="solid"/>
-                      <a:round/>
-                      <a:headEnd type="none" w="med" len="med"/>
-                      <a:tailEnd type="none" w="med" len="med"/>
-                    </a:lnT>
-                    <a:lnB w="12700" cap="flat" cmpd="sng" algn="ctr">
-                      <a:solidFill>
-                        <a:schemeClr val="tx1"/>
-                      </a:solidFill>
-                      <a:prstDash val="solid"/>
-                      <a:round/>
-                      <a:headEnd type="none" w="med" len="med"/>
-                      <a:tailEnd type="none" w="med" len="med"/>
-                    </a:lnB>
-                    <a:solidFill>
-                      <a:schemeClr val="bg1">
-                        <a:lumMod val="95000"/>
-                      </a:schemeClr>
-                    </a:solidFill>
-                  </a:tcPr>
-                </a:tc>
-                <a:tc hMerge="1">
-                  <a:tcPr/>
-                </a:tc>
-              </a:tr>
-              <a:tr h="1727258">
-                <a:tc gridSpan="4">
-                  <a:txBody>
-                    <a:bodyPr/>
-                    <a:lstStyle/>
-                    <a:p>
-                      <a:pPr marL="0" marR="0" indent="0" algn="l" defTabSz="914400" rtl="0" eaLnBrk="1" fontAlgn="auto" latinLnBrk="0" hangingPunct="1">
-                        <a:lnSpc>
-                          <a:spcPct val="100000"/>
-                        </a:lnSpc>
-                        <a:spcBef>
-                          <a:spcPts val="0"/>
-                        </a:spcBef>
-                        <a:spcAft>
-                          <a:spcPts val="0"/>
-                        </a:spcAft>
-                        <a:buClrTx/>
-                        <a:buSzTx/>
-                        <a:buFontTx/>
-                        <a:buNone/>
-                        <a:defRPr/>
-                      </a:pPr>
-                      <a:r>
-                        <a:rPr lang="en-IE" sz="1800" b="1" dirty="0" smtClean="0"/>
-                        <a:t>4. Evaluation</a:t>
-                      </a:r>
-                      <a:endParaRPr lang="en-IE" sz="1800" b="1" dirty="0" smtClean="0"/>
-                    </a:p>
-                    <a:p>
-                      <a:pPr marL="0" marR="0" indent="0" algn="l" defTabSz="914400" rtl="0" eaLnBrk="1" fontAlgn="auto" latinLnBrk="0" hangingPunct="1">
-                        <a:lnSpc>
-                          <a:spcPct val="100000"/>
-                        </a:lnSpc>
-                        <a:spcBef>
-                          <a:spcPts val="0"/>
-                        </a:spcBef>
-                        <a:spcAft>
-                          <a:spcPts val="0"/>
-                        </a:spcAft>
-                        <a:buClrTx/>
-                        <a:buSzTx/>
-                        <a:buFontTx/>
-                        <a:buNone/>
-                        <a:defRPr/>
-                      </a:pPr>
-                      <a:endParaRPr lang="en-IE" sz="1200" b="1" dirty="0" smtClean="0"/>
-                    </a:p>
-                  </a:txBody>
-                  <a:tcPr>
-                    <a:lnL w="12700" cap="flat" cmpd="sng" algn="ctr">
-                      <a:solidFill>
-                        <a:schemeClr val="tx1"/>
-                      </a:solidFill>
-                      <a:prstDash val="solid"/>
-                      <a:round/>
-                      <a:headEnd type="none" w="med" len="med"/>
-                      <a:tailEnd type="none" w="med" len="med"/>
-                    </a:lnL>
-                    <a:lnR w="12700" cap="flat" cmpd="sng" algn="ctr">
-                      <a:solidFill>
-                        <a:schemeClr val="tx1"/>
-                      </a:solidFill>
-                      <a:prstDash val="solid"/>
-                      <a:round/>
-                      <a:headEnd type="none" w="med" len="med"/>
-                      <a:tailEnd type="none" w="med" len="med"/>
-                    </a:lnR>
-                    <a:lnT w="12700" cap="flat" cmpd="sng" algn="ctr">
-                      <a:solidFill>
-                        <a:schemeClr val="tx1"/>
-                      </a:solidFill>
-                      <a:prstDash val="solid"/>
-                      <a:round/>
-                      <a:headEnd type="none" w="med" len="med"/>
-                      <a:tailEnd type="none" w="med" len="med"/>
-                    </a:lnT>
-                    <a:lnB w="12700" cap="flat" cmpd="sng" algn="ctr">
-                      <a:solidFill>
-                        <a:schemeClr val="tx1"/>
-                      </a:solidFill>
-                      <a:prstDash val="solid"/>
-                      <a:round/>
-                      <a:headEnd type="none" w="med" len="med"/>
-                      <a:tailEnd type="none" w="med" len="med"/>
-                    </a:lnB>
-                    <a:solidFill>
-                      <a:schemeClr val="bg1">
-                        <a:lumMod val="95000"/>
-                      </a:schemeClr>
-                    </a:solidFill>
-                  </a:tcPr>
-                </a:tc>
-                <a:tc hMerge="1">
-                  <a:tcPr/>
-                </a:tc>
-                <a:tc hMerge="1">
-                  <a:tcPr>
-                    <a:solidFill>
-                      <a:schemeClr val="bg1">
-                        <a:lumMod val="95000"/>
-                      </a:schemeClr>
-                    </a:solidFill>
-                  </a:tcPr>
-                </a:tc>
-                <a:tc hMerge="1">
-                  <a:tcPr/>
-                </a:tc>
-              </a:tr>
-              <a:tr h="1277907">
-                <a:tc gridSpan="4">
-                  <a:txBody>
-                    <a:bodyPr/>
-                    <a:lstStyle/>
-                    <a:p>
-                      <a:r>
-                        <a:rPr lang="en-IE" sz="1800" b="1" baseline="0" dirty="0" smtClean="0"/>
-                        <a:t>5. Contribution</a:t>
-                      </a:r>
-                      <a:endParaRPr lang="en-IE" sz="1800" b="1" dirty="0" smtClean="0"/>
-                    </a:p>
-                    <a:p>
-                      <a:endParaRPr lang="en-IE" sz="1200" b="1" dirty="0" smtClean="0"/>
-                    </a:p>
-                  </a:txBody>
-                  <a:tcPr>
-                    <a:lnL w="12700" cap="flat" cmpd="sng" algn="ctr">
-                      <a:solidFill>
-                        <a:schemeClr val="tx1"/>
-                      </a:solidFill>
-                      <a:prstDash val="solid"/>
-                      <a:round/>
-                      <a:headEnd type="none" w="med" len="med"/>
-                      <a:tailEnd type="none" w="med" len="med"/>
-                    </a:lnL>
-                    <a:lnR w="12700" cap="flat" cmpd="sng" algn="ctr">
-                      <a:solidFill>
-                        <a:schemeClr val="tx1"/>
-                      </a:solidFill>
-                      <a:prstDash val="solid"/>
-                      <a:round/>
-                      <a:headEnd type="none" w="med" len="med"/>
-                      <a:tailEnd type="none" w="med" len="med"/>
-                    </a:lnR>
-                    <a:lnT w="12700" cap="flat" cmpd="sng" algn="ctr">
-                      <a:solidFill>
-                        <a:schemeClr val="tx1"/>
-                      </a:solidFill>
-                      <a:prstDash val="solid"/>
-                      <a:round/>
-                      <a:headEnd type="none" w="med" len="med"/>
-                      <a:tailEnd type="none" w="med" len="med"/>
-                    </a:lnT>
-                    <a:lnB w="12700" cap="flat" cmpd="sng" algn="ctr">
-                      <a:solidFill>
-                        <a:schemeClr val="tx1"/>
-                      </a:solidFill>
-                      <a:prstDash val="solid"/>
-                      <a:round/>
-                      <a:headEnd type="none" w="med" len="med"/>
-                      <a:tailEnd type="none" w="med" len="med"/>
-                    </a:lnB>
-                    <a:solidFill>
-                      <a:schemeClr val="bg1">
-                        <a:lumMod val="95000"/>
-                      </a:schemeClr>
-                    </a:solidFill>
-                  </a:tcPr>
-                </a:tc>
-                <a:tc hMerge="1">
-                  <a:tcPr>
-                    <a:solidFill>
-                      <a:schemeClr val="bg1">
-                        <a:lumMod val="95000"/>
-                      </a:schemeClr>
-                    </a:solidFill>
-                  </a:tcPr>
-                </a:tc>
-                <a:tc hMerge="1">
-                  <a:tcPr>
-                    <a:lnL w="12700" cap="flat" cmpd="sng" algn="ctr">
-                      <a:solidFill>
-                        <a:schemeClr val="tx1"/>
-                      </a:solidFill>
-                      <a:prstDash val="solid"/>
-                      <a:round/>
-                      <a:headEnd type="none" w="med" len="med"/>
-                      <a:tailEnd type="none" w="med" len="med"/>
-                    </a:lnL>
-                    <a:lnR w="12700" cap="flat" cmpd="sng" algn="ctr">
-                      <a:solidFill>
-                        <a:schemeClr val="tx1"/>
-                      </a:solidFill>
-                      <a:prstDash val="solid"/>
-                      <a:round/>
-                      <a:headEnd type="none" w="med" len="med"/>
-                      <a:tailEnd type="none" w="med" len="med"/>
-                    </a:lnR>
-                    <a:lnT w="12700" cap="flat" cmpd="sng" algn="ctr">
-                      <a:solidFill>
-                        <a:schemeClr val="tx1"/>
-                      </a:solidFill>
-                      <a:prstDash val="solid"/>
-                      <a:round/>
-                      <a:headEnd type="none" w="med" len="med"/>
-                      <a:tailEnd type="none" w="med" len="med"/>
-                    </a:lnT>
-                    <a:lnB w="12700" cap="flat" cmpd="sng" algn="ctr">
-                      <a:solidFill>
-                        <a:schemeClr val="tx1"/>
-                      </a:solidFill>
-                      <a:prstDash val="solid"/>
-                      <a:round/>
-                      <a:headEnd type="none" w="med" len="med"/>
-                      <a:tailEnd type="none" w="med" len="med"/>
-                    </a:lnB>
-                    <a:solidFill>
-                      <a:schemeClr val="bg1">
-                        <a:lumMod val="95000"/>
-                      </a:schemeClr>
-                    </a:solidFill>
-                  </a:tcPr>
-                </a:tc>
-                <a:tc hMerge="1">
-                  <a:tcPr/>
-                </a:tc>
-              </a:tr>
-            </a:tbl>
-          </a:graphicData>
-        </a:graphic>
-      </p:graphicFrame>
+      <mc:AlternateContent xmlns:mc="http://schemas.openxmlformats.org/markup-compatibility/2006" xmlns:a14="http://schemas.microsoft.com/office/drawing/2010/main">
+        <mc:Choice Requires="a14">
+          <p:graphicFrame>
+            <p:nvGraphicFramePr>
+              <p:cNvPr id="2" name="Table 1"/>
+              <p:cNvGraphicFramePr>
+                <a:graphicFrameLocks noGrp="1"/>
+              </p:cNvGraphicFramePr>
+              <p:nvPr/>
+            </p:nvGraphicFramePr>
+            <p:xfrm>
+              <a:off x="18638" y="70648"/>
+              <a:ext cx="12103456" cy="6704492"/>
+            </p:xfrm>
+            <a:graphic>
+              <a:graphicData uri="http://schemas.openxmlformats.org/drawingml/2006/table">
+                <a:tbl>
+                  <a:tblPr firstRow="1" bandRow="1">
+                    <a:tableStyleId>{5C22544A-7EE6-4342-B048-85BDC9FD1C3A}</a:tableStyleId>
+                  </a:tblPr>
+                  <a:tblGrid>
+                    <a:gridCol w="2679738"/>
+                    <a:gridCol w="2460853"/>
+                    <a:gridCol w="2747642"/>
+                    <a:gridCol w="4215223"/>
+                  </a:tblGrid>
+                  <a:tr h="385660">
+                    <a:tc>
+                      <a:txBody>
+                        <a:bodyPr/>
+                        <a:lstStyle/>
+                        <a:p>
+                          <a:r>
+                            <a:rPr lang="en-IE" sz="1200" dirty="0" smtClean="0"/>
+                            <a:t>Student Name:</a:t>
+                          </a:r>
+                          <a:r>
+                            <a:rPr lang="en-US" altLang="en-IE" sz="1200" dirty="0" smtClean="0"/>
+                            <a:t>JIAJIN ZHAO</a:t>
+                          </a:r>
+                          <a:endParaRPr lang="en-US" altLang="en-IE" sz="1200" dirty="0" smtClean="0"/>
+                        </a:p>
+                      </a:txBody>
+                      <a:tcPr>
+                        <a:lnB w="12700" cap="flat" cmpd="sng" algn="ctr">
+                          <a:solidFill>
+                            <a:schemeClr val="tx1"/>
+                          </a:solidFill>
+                          <a:prstDash val="solid"/>
+                          <a:round/>
+                          <a:headEnd type="none" w="med" len="med"/>
+                          <a:tailEnd type="none" w="med" len="med"/>
+                        </a:lnB>
+                      </a:tcPr>
+                    </a:tc>
+                    <a:tc>
+                      <a:txBody>
+                        <a:bodyPr/>
+                        <a:lstStyle/>
+                        <a:p>
+                          <a:r>
+                            <a:rPr lang="en-IE" sz="1200" dirty="0" smtClean="0"/>
+                            <a:t>Student ID:</a:t>
+                          </a:r>
+                          <a:r>
+                            <a:rPr lang="en-US" altLang="en-IE" sz="1200" dirty="0" smtClean="0"/>
+                            <a:t>19300809</a:t>
+                          </a:r>
+                          <a:endParaRPr lang="en-US" altLang="en-IE" sz="1200" dirty="0" smtClean="0"/>
+                        </a:p>
+                      </a:txBody>
+                      <a:tcPr>
+                        <a:lnB w="12700" cap="flat" cmpd="sng" algn="ctr">
+                          <a:solidFill>
+                            <a:schemeClr val="tx1"/>
+                          </a:solidFill>
+                          <a:prstDash val="solid"/>
+                          <a:round/>
+                          <a:headEnd type="none" w="med" len="med"/>
+                          <a:tailEnd type="none" w="med" len="med"/>
+                        </a:lnB>
+                      </a:tcPr>
+                    </a:tc>
+                    <a:tc>
+                      <a:txBody>
+                        <a:bodyPr/>
+                        <a:lstStyle/>
+                        <a:p>
+                          <a:r>
+                            <a:rPr lang="en-IE" sz="1200" dirty="0" smtClean="0"/>
+                            <a:t>Stream:</a:t>
+                          </a:r>
+                          <a:r>
+                            <a:rPr lang="en-US" altLang="en-IE" sz="1200" dirty="0" smtClean="0"/>
+                            <a:t>Future Networked Systems</a:t>
+                          </a:r>
+                          <a:endParaRPr lang="en-US" altLang="en-IE" sz="1200" dirty="0" smtClean="0"/>
+                        </a:p>
+                      </a:txBody>
+                      <a:tcPr>
+                        <a:lnB w="12700" cap="flat" cmpd="sng" algn="ctr">
+                          <a:solidFill>
+                            <a:schemeClr val="tx1"/>
+                          </a:solidFill>
+                          <a:prstDash val="solid"/>
+                          <a:round/>
+                          <a:headEnd type="none" w="med" len="med"/>
+                          <a:tailEnd type="none" w="med" len="med"/>
+                        </a:lnB>
+                      </a:tcPr>
+                    </a:tc>
+                    <a:tc>
+                      <a:txBody>
+                        <a:bodyPr/>
+                        <a:lstStyle/>
+                        <a:p>
+                          <a:r>
+                            <a:rPr lang="en-IE" sz="1200" dirty="0" smtClean="0"/>
+                            <a:t>Supervisor Name:Simon Wilson</a:t>
+                          </a:r>
+                          <a:endParaRPr lang="en-IE" sz="1200" dirty="0" smtClean="0"/>
+                        </a:p>
+                      </a:txBody>
+                      <a:tcPr>
+                        <a:lnB w="12700" cap="flat" cmpd="sng" algn="ctr">
+                          <a:solidFill>
+                            <a:schemeClr val="tx1"/>
+                          </a:solidFill>
+                          <a:prstDash val="solid"/>
+                          <a:round/>
+                          <a:headEnd type="none" w="med" len="med"/>
+                          <a:tailEnd type="none" w="med" len="med"/>
+                        </a:lnB>
+                      </a:tcPr>
+                    </a:tc>
+                  </a:tr>
+                  <a:tr h="798281">
+                    <a:tc gridSpan="4">
+                      <a:txBody>
+                        <a:bodyPr/>
+                        <a:lstStyle/>
+                        <a:p>
+                          <a:r>
+                            <a:rPr lang="en-IE" sz="1800" b="1" dirty="0" smtClean="0"/>
+                            <a:t>1. Research Question/Aim:</a:t>
+                          </a:r>
+                          <a:endParaRPr lang="en-IE" sz="1800" b="1" dirty="0" smtClean="0"/>
+                        </a:p>
+                        <a:p>
+                          <a:r>
+                            <a:rPr lang="en-US" altLang="en-IE" sz="1200" b="1" dirty="0"/>
+                            <a:t>Solve </a:t>
+                          </a:r>
+                          <a14:m>
+                            <m:oMath xmlns:m="http://schemas.openxmlformats.org/officeDocument/2006/math">
+                              <m:r>
+                                <a:rPr lang="en-US" altLang="en-US" sz="1200" b="1" i="1" dirty="0">
+                                  <a:latin typeface="Cambria Math" panose="02040503050406030204" pitchFamily="18" charset="0"/>
+                                  <a:cs typeface="DejaVu Math TeX Gyre" panose="02000503000000000000" charset="0"/>
+                                </a:rPr>
+                                <m:t>(</m:t>
+                              </m:r>
+                              <m:r>
+                                <a:rPr lang="en-US" altLang="en-US" sz="1200" b="1" i="1" dirty="0">
+                                  <a:latin typeface="Cambria Math" panose="02040503050406030204" pitchFamily="18" charset="0"/>
+                                  <a:cs typeface="DejaVu Math TeX Gyre" panose="02000503000000000000" charset="0"/>
+                                </a:rPr>
+                                <m:t>𝑸</m:t>
+                              </m:r>
+                              <m:r>
+                                <a:rPr lang="en-US" altLang="en-US" sz="1200" b="1" i="1" dirty="0">
+                                  <a:latin typeface="Cambria Math" panose="02040503050406030204" pitchFamily="18" charset="0"/>
+                                  <a:cs typeface="DejaVu Math TeX Gyre" panose="02000503000000000000" charset="0"/>
+                                </a:rPr>
+                                <m:t>+</m:t>
+                              </m:r>
+                              <m:sSup>
+                                <m:sSupPr>
+                                  <m:ctrlPr>
+                                    <a:rPr lang="en-US" altLang="en-US" sz="1200" b="1" i="1" dirty="0">
+                                      <a:latin typeface="Cambria Math" panose="02040503050406030204" pitchFamily="18" charset="0"/>
+                                      <a:cs typeface="DejaVu Math TeX Gyre" panose="02000503000000000000" charset="0"/>
+                                    </a:rPr>
+                                  </m:ctrlPr>
+                                </m:sSupPr>
+                                <m:e>
+                                  <m:r>
+                                    <a:rPr lang="en-US" altLang="en-US" sz="1200" b="1" i="1" dirty="0">
+                                      <a:latin typeface="Cambria Math" panose="02040503050406030204" pitchFamily="18" charset="0"/>
+                                      <a:cs typeface="DejaVu Math TeX Gyre" panose="02000503000000000000" charset="0"/>
+                                    </a:rPr>
+                                    <m:t>𝑩</m:t>
+                                  </m:r>
+                                </m:e>
+                                <m:sup>
+                                  <m:r>
+                                    <a:rPr lang="en-US" altLang="en-US" sz="1200" b="1" i="1" dirty="0">
+                                      <a:latin typeface="Cambria Math" panose="02040503050406030204" pitchFamily="18" charset="0"/>
+                                      <a:cs typeface="DejaVu Math TeX Gyre" panose="02000503000000000000" charset="0"/>
+                                    </a:rPr>
+                                    <m:t>𝑻</m:t>
+                                  </m:r>
+                                </m:sup>
+                              </m:sSup>
+                              <m:r>
+                                <a:rPr lang="en-US" altLang="en-US" sz="1200" b="1" i="1" dirty="0">
+                                  <a:latin typeface="Cambria Math" panose="02040503050406030204" pitchFamily="18" charset="0"/>
+                                  <a:cs typeface="DejaVu Math TeX Gyre" panose="02000503000000000000" charset="0"/>
+                                </a:rPr>
+                                <m:t>𝑪𝑩</m:t>
+                              </m:r>
+                              <m:r>
+                                <a:rPr lang="en-US" altLang="en-US" sz="1200" b="1" i="1" dirty="0">
+                                  <a:latin typeface="Cambria Math" panose="02040503050406030204" pitchFamily="18" charset="0"/>
+                                  <a:cs typeface="DejaVu Math TeX Gyre" panose="02000503000000000000" charset="0"/>
+                                </a:rPr>
+                                <m:t>)</m:t>
+                              </m:r>
+                              <m:r>
+                                <a:rPr lang="en-US" altLang="en-US" sz="1200" b="1" i="1" dirty="0">
+                                  <a:latin typeface="Cambria Math" panose="02040503050406030204" pitchFamily="18" charset="0"/>
+                                  <a:cs typeface="DejaVu Math TeX Gyre" panose="02000503000000000000" charset="0"/>
+                                </a:rPr>
+                                <m:t>𝒖</m:t>
+                              </m:r>
+                              <m:r>
+                                <a:rPr lang="en-US" altLang="en-US" sz="1200" b="1" i="1" dirty="0">
+                                  <a:latin typeface="Cambria Math" panose="02040503050406030204" pitchFamily="18" charset="0"/>
+                                  <a:cs typeface="DejaVu Math TeX Gyre" panose="02000503000000000000" charset="0"/>
+                                </a:rPr>
+                                <m:t> = </m:t>
+                              </m:r>
+                              <m:sSup>
+                                <m:sSupPr>
+                                  <m:ctrlPr>
+                                    <a:rPr lang="en-US" altLang="en-US" sz="1200" b="1" i="1" dirty="0">
+                                      <a:latin typeface="Cambria Math" panose="02040503050406030204" pitchFamily="18" charset="0"/>
+                                      <a:cs typeface="DejaVu Math TeX Gyre" panose="02000503000000000000" charset="0"/>
+                                    </a:rPr>
+                                  </m:ctrlPr>
+                                </m:sSupPr>
+                                <m:e>
+                                  <m:r>
+                                    <a:rPr lang="en-US" altLang="en-US" sz="1200" b="1" i="1" dirty="0">
+                                      <a:latin typeface="Cambria Math" panose="02040503050406030204" pitchFamily="18" charset="0"/>
+                                      <a:cs typeface="DejaVu Math TeX Gyre" panose="02000503000000000000" charset="0"/>
+                                    </a:rPr>
+                                    <m:t>𝑩</m:t>
+                                  </m:r>
+                                </m:e>
+                                <m:sup>
+                                  <m:r>
+                                    <a:rPr lang="en-US" altLang="en-US" sz="1200" b="1" i="1" dirty="0">
+                                      <a:latin typeface="Cambria Math" panose="02040503050406030204" pitchFamily="18" charset="0"/>
+                                      <a:cs typeface="DejaVu Math TeX Gyre" panose="02000503000000000000" charset="0"/>
+                                    </a:rPr>
+                                    <m:t>𝑻</m:t>
+                                  </m:r>
+                                </m:sup>
+                              </m:sSup>
+                              <m:r>
+                                <a:rPr lang="en-US" altLang="en-US" sz="1200" b="1" i="1" dirty="0">
+                                  <a:latin typeface="Cambria Math" panose="02040503050406030204" pitchFamily="18" charset="0"/>
+                                  <a:cs typeface="DejaVu Math TeX Gyre" panose="02000503000000000000" charset="0"/>
+                                </a:rPr>
+                                <m:t>𝑪𝒚</m:t>
+                              </m:r>
+                              <m:r>
+                                <a:rPr lang="en-US" altLang="en-US" sz="1200" b="1" i="1" dirty="0">
+                                  <a:latin typeface="Cambria Math" panose="02040503050406030204" pitchFamily="18" charset="0"/>
+                                  <a:cs typeface="DejaVu Math TeX Gyre" panose="02000503000000000000" charset="0"/>
+                                </a:rPr>
+                                <m:t> </m:t>
+                              </m:r>
+                              <m:r>
+                                <a:rPr lang="en-US" altLang="en-US" sz="1200" b="1" i="1" dirty="0">
+                                  <a:latin typeface="Cambria Math" panose="02040503050406030204" pitchFamily="18" charset="0"/>
+                                  <a:cs typeface="DejaVu Math TeX Gyre" panose="02000503000000000000" charset="0"/>
+                                </a:rPr>
+                                <m:t>𝒘𝒊𝒕𝒉</m:t>
+                              </m:r>
+                              <m:r>
+                                <a:rPr lang="en-US" altLang="en-US" sz="1200" b="1" i="1" dirty="0">
+                                  <a:latin typeface="Cambria Math" panose="02040503050406030204" pitchFamily="18" charset="0"/>
+                                  <a:cs typeface="DejaVu Math TeX Gyre" panose="02000503000000000000" charset="0"/>
+                                </a:rPr>
+                                <m:t>  (</m:t>
+                              </m:r>
+                              <m:r>
+                                <a:rPr lang="en-US" altLang="en-US" sz="1200" b="1" i="1" dirty="0">
+                                  <a:latin typeface="Cambria Math" panose="02040503050406030204" pitchFamily="18" charset="0"/>
+                                  <a:cs typeface="DejaVu Math TeX Gyre" panose="02000503000000000000" charset="0"/>
+                                </a:rPr>
+                                <m:t>𝑸</m:t>
+                              </m:r>
+                              <m:r>
+                                <a:rPr lang="en-US" altLang="en-US" sz="1200" b="1" i="1" dirty="0">
+                                  <a:latin typeface="Cambria Math" panose="02040503050406030204" pitchFamily="18" charset="0"/>
+                                  <a:cs typeface="DejaVu Math TeX Gyre" panose="02000503000000000000" charset="0"/>
+                                </a:rPr>
+                                <m:t>+ </m:t>
+                              </m:r>
+                              <m:sSup>
+                                <m:sSupPr>
+                                  <m:ctrlPr>
+                                    <a:rPr lang="en-US" altLang="en-US" sz="1200" b="1" i="1" dirty="0">
+                                      <a:latin typeface="Cambria Math" panose="02040503050406030204" pitchFamily="18" charset="0"/>
+                                      <a:cs typeface="DejaVu Math TeX Gyre" panose="02000503000000000000" charset="0"/>
+                                    </a:rPr>
+                                  </m:ctrlPr>
+                                </m:sSupPr>
+                                <m:e>
+                                  <m:r>
+                                    <a:rPr lang="en-US" altLang="en-US" sz="1200" b="1" i="1" dirty="0">
+                                      <a:latin typeface="Cambria Math" panose="02040503050406030204" pitchFamily="18" charset="0"/>
+                                      <a:cs typeface="DejaVu Math TeX Gyre" panose="02000503000000000000" charset="0"/>
+                                    </a:rPr>
+                                    <m:t>𝑩</m:t>
+                                  </m:r>
+                                </m:e>
+                                <m:sup>
+                                  <m:r>
+                                    <a:rPr lang="en-US" altLang="en-US" sz="1200" b="1" i="1" dirty="0">
+                                      <a:latin typeface="Cambria Math" panose="02040503050406030204" pitchFamily="18" charset="0"/>
+                                      <a:cs typeface="DejaVu Math TeX Gyre" panose="02000503000000000000" charset="0"/>
+                                    </a:rPr>
+                                    <m:t>𝑻</m:t>
+                                  </m:r>
+                                </m:sup>
+                              </m:sSup>
+                              <m:r>
+                                <a:rPr lang="en-US" altLang="en-US" sz="1200" b="1" i="1" dirty="0">
+                                  <a:latin typeface="Cambria Math" panose="02040503050406030204" pitchFamily="18" charset="0"/>
+                                  <a:cs typeface="DejaVu Math TeX Gyre" panose="02000503000000000000" charset="0"/>
+                                </a:rPr>
+                                <m:t>) ∈</m:t>
+                              </m:r>
+                              <m:sSup>
+                                <m:sSupPr>
+                                  <m:ctrlPr>
+                                    <a:rPr lang="en-US" altLang="en-US" sz="1200" b="1" i="1" dirty="0">
+                                      <a:latin typeface="Cambria Math" panose="02040503050406030204" pitchFamily="18" charset="0"/>
+                                      <a:cs typeface="DejaVu Math TeX Gyre" panose="02000503000000000000" charset="0"/>
+                                    </a:rPr>
+                                  </m:ctrlPr>
+                                </m:sSupPr>
+                                <m:e>
+                                  <m:r>
+                                    <a:rPr lang="en-IE" altLang="en-US" sz="1200" b="1" i="1" dirty="0" smtClean="0">
+                                      <a:latin typeface="Cambria Math" panose="02040503050406030204" pitchFamily="18" charset="0"/>
+                                      <a:cs typeface="DejaVu Math TeX Gyre" panose="02000503000000000000" charset="0"/>
+                                    </a:rPr>
+                                    <m:t>𝑹</m:t>
+                                  </m:r>
+                                </m:e>
+                                <m:sup>
+                                  <m:r>
+                                    <a:rPr lang="en-IE" altLang="en-US" sz="1200" b="1" i="1" dirty="0" smtClean="0">
+                                      <a:latin typeface="Cambria Math" panose="02040503050406030204" pitchFamily="18" charset="0"/>
+                                      <a:cs typeface="DejaVu Math TeX Gyre" panose="02000503000000000000" charset="0"/>
+                                    </a:rPr>
+                                    <m:t>𝒏𝑵</m:t>
+                                  </m:r>
+                                  <m:r>
+                                    <a:rPr lang="en-IE" altLang="en-US" sz="1200" b="1" i="1" dirty="0" smtClean="0">
+                                      <a:latin typeface="Cambria Math" panose="02040503050406030204" pitchFamily="18" charset="0"/>
+                                      <a:cs typeface="DejaVu Math TeX Gyre" panose="02000503000000000000" charset="0"/>
+                                    </a:rPr>
+                                    <m:t>×</m:t>
+                                  </m:r>
+                                  <m:r>
+                                    <a:rPr lang="en-IE" altLang="en-US" sz="1200" b="1" i="1" dirty="0" smtClean="0">
+                                      <a:latin typeface="Cambria Math" panose="02040503050406030204" pitchFamily="18" charset="0"/>
+                                      <a:cs typeface="DejaVu Math TeX Gyre" panose="02000503000000000000" charset="0"/>
+                                    </a:rPr>
+                                    <m:t>𝒏𝑵</m:t>
+                                  </m:r>
+                                </m:sup>
+                              </m:sSup>
+                            </m:oMath>
+                          </a14:m>
+                          <a:r>
+                            <a:rPr lang="en-US" sz="1200" b="0" dirty="0">
+                              <a:latin typeface="DejaVu Math TeX Gyre" panose="02000503000000000000" charset="0"/>
+                              <a:cs typeface="DejaVu Math TeX Gyre" panose="02000503000000000000" charset="0"/>
+                            </a:rPr>
+                            <a:t> </a:t>
+                          </a:r>
+                          <a:r>
+                            <a:rPr lang="en-US" altLang="en-US" sz="1200" b="0" dirty="0">
+                              <a:latin typeface="DejaVu Math TeX Gyre" panose="02000503000000000000" charset="0"/>
+                              <a:cs typeface="DejaVu Math TeX Gyre" panose="02000503000000000000" charset="0"/>
+                            </a:rPr>
+                            <a:t>where </a:t>
+                          </a:r>
+                          <a14:m>
+                            <m:oMath xmlns:m="http://schemas.openxmlformats.org/officeDocument/2006/math">
+                              <m:r>
+                                <a:rPr lang="en-IE" altLang="en-US" sz="1200" b="0" i="1" smtClean="0">
+                                  <a:latin typeface="Cambria Math" panose="02040503050406030204" pitchFamily="18" charset="0"/>
+                                  <a:cs typeface="DejaVu Math TeX Gyre" panose="02000503000000000000" charset="0"/>
+                                </a:rPr>
+                                <m:t>𝑛</m:t>
+                              </m:r>
+                              <m:r>
+                                <a:rPr lang="en-US" altLang="en-US" sz="1200" b="1" i="1" dirty="0" smtClean="0">
+                                  <a:latin typeface="Cambria Math" panose="02040503050406030204" pitchFamily="18" charset="0"/>
+                                  <a:cs typeface="DejaVu Math TeX Gyre" panose="02000503000000000000" charset="0"/>
+                                </a:rPr>
+                                <m:t>∈</m:t>
+                              </m:r>
+                              <m:r>
+                                <a:rPr lang="en-IE" altLang="en-US" sz="1200" b="1" i="1" dirty="0" smtClean="0">
+                                  <a:latin typeface="Cambria Math" panose="02040503050406030204" pitchFamily="18" charset="0"/>
+                                  <a:cs typeface="DejaVu Math TeX Gyre" panose="02000503000000000000" charset="0"/>
+                                </a:rPr>
+                                <m:t>{</m:t>
+                              </m:r>
+                              <m:r>
+                                <a:rPr lang="en-IE" altLang="en-US" sz="1200" b="1" i="1" dirty="0" smtClean="0">
+                                  <a:latin typeface="Cambria Math" panose="02040503050406030204" pitchFamily="18" charset="0"/>
+                                  <a:cs typeface="DejaVu Math TeX Gyre" panose="02000503000000000000" charset="0"/>
+                                </a:rPr>
+                                <m:t>𝟒</m:t>
+                              </m:r>
+                              <m:r>
+                                <a:rPr lang="en-IE" altLang="en-US" sz="1200" b="1" i="1" dirty="0" smtClean="0">
+                                  <a:latin typeface="Cambria Math" panose="02040503050406030204" pitchFamily="18" charset="0"/>
+                                  <a:cs typeface="DejaVu Math TeX Gyre" panose="02000503000000000000" charset="0"/>
+                                </a:rPr>
+                                <m:t>,</m:t>
+                              </m:r>
+                              <m:r>
+                                <a:rPr lang="en-IE" altLang="en-US" sz="1200" b="1" i="1" dirty="0" smtClean="0">
+                                  <a:latin typeface="Cambria Math" panose="02040503050406030204" pitchFamily="18" charset="0"/>
+                                  <a:cs typeface="DejaVu Math TeX Gyre" panose="02000503000000000000" charset="0"/>
+                                </a:rPr>
+                                <m:t>𝟓</m:t>
+                              </m:r>
+                              <m:r>
+                                <a:rPr lang="en-IE" altLang="en-US" sz="1200" b="1" i="1" dirty="0" smtClean="0">
+                                  <a:latin typeface="Cambria Math" panose="02040503050406030204" pitchFamily="18" charset="0"/>
+                                  <a:cs typeface="DejaVu Math TeX Gyre" panose="02000503000000000000" charset="0"/>
+                                </a:rPr>
+                                <m:t>}</m:t>
+                              </m:r>
+                            </m:oMath>
+                          </a14:m>
+                          <a:r>
+                            <a:rPr lang="en-US" altLang="en-US" sz="1200" b="0" dirty="0" smtClean="0">
+                              <a:latin typeface="DejaVu Math TeX Gyre" panose="02000503000000000000" charset="0"/>
+                              <a:cs typeface="DejaVu Math TeX Gyre" panose="02000503000000000000" charset="0"/>
+                            </a:rPr>
+                            <a:t> </a:t>
+                          </a:r>
+                          <a:r>
+                            <a:rPr lang="en-US" altLang="en-US" sz="1200" b="0" dirty="0">
+                              <a:latin typeface="DejaVu Math TeX Gyre" panose="02000503000000000000" charset="0"/>
+                              <a:cs typeface="DejaVu Math TeX Gyre" panose="02000503000000000000" charset="0"/>
+                            </a:rPr>
+                            <a:t>and </a:t>
+                          </a:r>
+                          <a14:m>
+                            <m:oMath xmlns:m="http://schemas.openxmlformats.org/officeDocument/2006/math">
+                              <m:r>
+                                <m:rPr>
+                                  <m:sty m:val="p"/>
+                                </m:rPr>
+                                <a:rPr lang="en-IE" altLang="en-US" sz="1200" b="0" i="0" dirty="0" smtClean="0">
+                                  <a:latin typeface="Cambria Math" panose="02040503050406030204" pitchFamily="18" charset="0"/>
+                                  <a:cs typeface="DejaVu Math TeX Gyre" panose="02000503000000000000" charset="0"/>
+                                </a:rPr>
+                                <m:t>N</m:t>
+                              </m:r>
+                              <m:r>
+                                <a:rPr lang="en-IE" altLang="en-US" sz="1200" b="0" i="0" dirty="0" smtClean="0">
+                                  <a:latin typeface="Cambria Math" panose="02040503050406030204" pitchFamily="18" charset="0"/>
+                                  <a:cs typeface="DejaVu Math TeX Gyre" panose="02000503000000000000" charset="0"/>
+                                </a:rPr>
+                                <m:t>=</m:t>
+                              </m:r>
+                              <m:r>
+                                <a:rPr lang="en-IE" altLang="en-US" sz="1200" b="0" i="1" dirty="0" smtClean="0">
+                                  <a:latin typeface="Cambria Math" panose="02040503050406030204" pitchFamily="18" charset="0"/>
+                                  <a:cs typeface="DejaVu Math TeX Gyre" panose="02000503000000000000" charset="0"/>
+                                </a:rPr>
+                                <m:t>𝑂</m:t>
+                              </m:r>
+                              <m:r>
+                                <a:rPr lang="en-IE" altLang="en-US" sz="1200" b="0" i="1" dirty="0" smtClean="0">
+                                  <a:latin typeface="Cambria Math" panose="02040503050406030204" pitchFamily="18" charset="0"/>
+                                  <a:cs typeface="DejaVu Math TeX Gyre" panose="02000503000000000000" charset="0"/>
+                                </a:rPr>
+                                <m:t>(</m:t>
+                              </m:r>
+                              <m:sSup>
+                                <m:sSupPr>
+                                  <m:ctrlPr>
+                                    <a:rPr lang="en-US" altLang="en-US" sz="1200" b="1" i="1" dirty="0" smtClean="0">
+                                      <a:latin typeface="Cambria Math" panose="02040503050406030204" pitchFamily="18" charset="0"/>
+                                      <a:cs typeface="DejaVu Math TeX Gyre" panose="02000503000000000000" charset="0"/>
+                                    </a:rPr>
+                                  </m:ctrlPr>
+                                </m:sSupPr>
+                                <m:e>
+                                  <m:r>
+                                    <a:rPr lang="en-IE" altLang="en-US" sz="1200" b="1" i="1" dirty="0" smtClean="0">
+                                      <a:latin typeface="Cambria Math" panose="02040503050406030204" pitchFamily="18" charset="0"/>
+                                      <a:cs typeface="DejaVu Math TeX Gyre" panose="02000503000000000000" charset="0"/>
+                                    </a:rPr>
+                                    <m:t>𝟏𝟎</m:t>
+                                  </m:r>
+                                </m:e>
+                                <m:sup>
+                                  <m:r>
+                                    <a:rPr lang="en-IE" altLang="en-US" sz="1200" b="1" i="1" dirty="0" smtClean="0">
+                                      <a:latin typeface="Cambria Math" panose="02040503050406030204" pitchFamily="18" charset="0"/>
+                                      <a:cs typeface="DejaVu Math TeX Gyre" panose="02000503000000000000" charset="0"/>
+                                    </a:rPr>
+                                    <m:t>𝟕</m:t>
+                                  </m:r>
+                                </m:sup>
+                              </m:sSup>
+                              <m:r>
+                                <a:rPr lang="en-IE" altLang="en-US" sz="1200" b="0" i="1" dirty="0" smtClean="0">
+                                  <a:latin typeface="Cambria Math" panose="02040503050406030204" pitchFamily="18" charset="0"/>
+                                  <a:cs typeface="DejaVu Math TeX Gyre" panose="02000503000000000000" charset="0"/>
+                                </a:rPr>
+                                <m:t>)</m:t>
+                              </m:r>
+                            </m:oMath>
+                          </a14:m>
+                          <a:endParaRPr lang="en-US" altLang="en-US" sz="1200" b="0" dirty="0">
+                            <a:latin typeface="DejaVu Math TeX Gyre" panose="02000503000000000000" charset="0"/>
+                            <a:cs typeface="DejaVu Math TeX Gyre" panose="02000503000000000000" charset="0"/>
+                          </a:endParaRPr>
+                        </a:p>
+                      </a:txBody>
+                      <a:tcPr>
+                        <a:lnL w="12700" cap="flat" cmpd="sng" algn="ctr">
+                          <a:solidFill>
+                            <a:schemeClr val="tx1"/>
+                          </a:solidFill>
+                          <a:prstDash val="solid"/>
+                          <a:round/>
+                          <a:headEnd type="none" w="med" len="med"/>
+                          <a:tailEnd type="none" w="med" len="med"/>
+                        </a:lnL>
+                        <a:lnR w="12700" cap="flat" cmpd="sng" algn="ctr">
+                          <a:solidFill>
+                            <a:schemeClr val="tx1"/>
+                          </a:solidFill>
+                          <a:prstDash val="solid"/>
+                          <a:round/>
+                          <a:headEnd type="none" w="med" len="med"/>
+                          <a:tailEnd type="none" w="med" len="med"/>
+                        </a:lnR>
+                        <a:lnT w="12700" cap="flat" cmpd="sng" algn="ctr">
+                          <a:solidFill>
+                            <a:schemeClr val="tx1"/>
+                          </a:solidFill>
+                          <a:prstDash val="solid"/>
+                          <a:round/>
+                          <a:headEnd type="none" w="med" len="med"/>
+                          <a:tailEnd type="none" w="med" len="med"/>
+                        </a:lnT>
+                        <a:lnB w="12700" cap="flat" cmpd="sng" algn="ctr">
+                          <a:solidFill>
+                            <a:schemeClr val="tx1"/>
+                          </a:solidFill>
+                          <a:prstDash val="solid"/>
+                          <a:round/>
+                          <a:headEnd type="none" w="med" len="med"/>
+                          <a:tailEnd type="none" w="med" len="med"/>
+                        </a:lnB>
+                        <a:solidFill>
+                          <a:schemeClr val="bg1">
+                            <a:lumMod val="95000"/>
+                          </a:schemeClr>
+                        </a:solidFill>
+                      </a:tcPr>
+                    </a:tc>
+                    <a:tc hMerge="1">
+                      <a:tcPr/>
+                    </a:tc>
+                    <a:tc hMerge="1">
+                      <a:tcPr>
+                        <a:solidFill>
+                          <a:schemeClr val="bg1">
+                            <a:lumMod val="95000"/>
+                          </a:schemeClr>
+                        </a:solidFill>
+                      </a:tcPr>
+                    </a:tc>
+                    <a:tc hMerge="1">
+                      <a:tcPr/>
+                    </a:tc>
+                  </a:tr>
+                  <a:tr h="2515386">
+                    <a:tc gridSpan="2">
+                      <a:txBody>
+                        <a:bodyPr/>
+                        <a:lstStyle/>
+                        <a:p>
+                          <a:r>
+                            <a:rPr lang="en-IE" sz="1800" b="1" dirty="0" smtClean="0"/>
+                            <a:t>2. Research</a:t>
+                          </a:r>
+                          <a:r>
+                            <a:rPr lang="en-IE" sz="1800" b="1" baseline="0" dirty="0" smtClean="0"/>
+                            <a:t> Objectives</a:t>
+                          </a:r>
+                          <a:endParaRPr lang="en-IE" sz="1800" b="1" baseline="0" dirty="0" smtClean="0"/>
+                        </a:p>
+                        <a:p>
+                          <a:r>
+                            <a:rPr lang="en-US" altLang="en-IE" sz="1200" b="1" baseline="0" dirty="0" smtClean="0"/>
+                            <a:t>1. </a:t>
+                          </a:r>
+                          <a:r>
+                            <a:rPr lang="en-US" altLang="en-US" sz="1200" b="1" baseline="0" dirty="0" smtClean="0"/>
+                            <a:t>Understand the meaning and format of every variable in the equation.</a:t>
+                          </a:r>
+                          <a:endParaRPr lang="en-US" altLang="en-US" sz="1200" b="1" baseline="0" dirty="0" smtClean="0"/>
+                        </a:p>
+                        <a:p>
+                          <a:r>
+                            <a:rPr lang="en-US" altLang="en-US" sz="1200" b="1" baseline="0" dirty="0" smtClean="0"/>
+                            <a:t>2. Understand the math methods that can help solve this equation.</a:t>
+                          </a:r>
+                          <a:endParaRPr lang="en-US" altLang="en-US" sz="1200" b="1" baseline="0" dirty="0" smtClean="0"/>
+                        </a:p>
+                        <a:p>
+                          <a:r>
+                            <a:rPr lang="en-US" altLang="en-US" sz="1200" b="1" baseline="0" dirty="0" smtClean="0"/>
+                            <a:t>3. Implement the algorithms that can solve the problem.</a:t>
+                          </a:r>
+                          <a:endParaRPr lang="en-US" altLang="en-US" sz="1200" b="1" baseline="0" dirty="0" smtClean="0"/>
+                        </a:p>
+                        <a:p>
+                          <a:r>
+                            <a:rPr lang="en-US" altLang="en-US" sz="1200" b="1" baseline="0" dirty="0" smtClean="0"/>
+                            <a:t>4. Test performance of these algorithms. </a:t>
+                          </a:r>
+                          <a:endParaRPr lang="en-US" altLang="en-US" sz="1200" b="1" baseline="0" dirty="0" smtClean="0"/>
+                        </a:p>
+                      </a:txBody>
+                      <a:tcPr>
+                        <a:lnL w="12700" cap="flat" cmpd="sng" algn="ctr">
+                          <a:solidFill>
+                            <a:schemeClr val="tx1"/>
+                          </a:solidFill>
+                          <a:prstDash val="solid"/>
+                          <a:round/>
+                          <a:headEnd type="none" w="med" len="med"/>
+                          <a:tailEnd type="none" w="med" len="med"/>
+                        </a:lnL>
+                        <a:lnR w="12700" cap="flat" cmpd="sng" algn="ctr">
+                          <a:solidFill>
+                            <a:schemeClr val="tx1"/>
+                          </a:solidFill>
+                          <a:prstDash val="solid"/>
+                          <a:round/>
+                          <a:headEnd type="none" w="med" len="med"/>
+                          <a:tailEnd type="none" w="med" len="med"/>
+                        </a:lnR>
+                        <a:lnT w="12700" cap="flat" cmpd="sng" algn="ctr">
+                          <a:solidFill>
+                            <a:schemeClr val="tx1"/>
+                          </a:solidFill>
+                          <a:prstDash val="solid"/>
+                          <a:round/>
+                          <a:headEnd type="none" w="med" len="med"/>
+                          <a:tailEnd type="none" w="med" len="med"/>
+                        </a:lnT>
+                        <a:lnB w="12700" cap="flat" cmpd="sng" algn="ctr">
+                          <a:solidFill>
+                            <a:schemeClr val="tx1"/>
+                          </a:solidFill>
+                          <a:prstDash val="solid"/>
+                          <a:round/>
+                          <a:headEnd type="none" w="med" len="med"/>
+                          <a:tailEnd type="none" w="med" len="med"/>
+                        </a:lnB>
+                        <a:solidFill>
+                          <a:schemeClr val="bg1">
+                            <a:lumMod val="95000"/>
+                          </a:schemeClr>
+                        </a:solidFill>
+                      </a:tcPr>
+                    </a:tc>
+                    <a:tc hMerge="1">
+                      <a:tcPr/>
+                    </a:tc>
+                    <a:tc gridSpan="2">
+                      <a:txBody>
+                        <a:bodyPr/>
+                        <a:lstStyle/>
+                        <a:p>
+                          <a:r>
+                            <a:rPr lang="en-US" altLang="en-IE" sz="1400" b="1" dirty="0" smtClean="0"/>
+                            <a:t> </a:t>
+                          </a:r>
+                          <a:r>
+                            <a:rPr lang="en-IE" sz="1400" b="1" dirty="0" smtClean="0"/>
+                            <a:t>3. </a:t>
+                          </a:r>
+                          <a:r>
+                            <a:rPr lang="en-IE" sz="1800" b="1" dirty="0" smtClean="0"/>
+                            <a:t>Approach/Method</a:t>
+                          </a:r>
+                          <a:r>
+                            <a:rPr lang="en-IE" sz="1800" b="1" baseline="0" dirty="0" smtClean="0"/>
+                            <a:t> to achieve objectives</a:t>
+                          </a:r>
+                          <a:endParaRPr lang="en-IE" sz="1800" b="1" baseline="0" dirty="0" smtClean="0"/>
+                        </a:p>
+                        <a:p>
+                          <a:r>
+                            <a:rPr lang="en-US" altLang="en-IE" sz="1200" b="1" baseline="0" dirty="0" smtClean="0"/>
+                            <a:t>1. Literature review to find</a:t>
+                          </a:r>
+                          <a:endParaRPr lang="en-US" altLang="en-IE" sz="1200" b="1" baseline="0" dirty="0" smtClean="0"/>
+                        </a:p>
+                        <a:p>
+                          <a:r>
+                            <a:rPr lang="en-US" altLang="en-IE" sz="1200" b="1" baseline="0" dirty="0" smtClean="0"/>
+                            <a:t>  a) cosmic microwave background source separation.</a:t>
+                          </a:r>
+                          <a:endParaRPr lang="en-US" altLang="en-IE" sz="1200" b="1" baseline="0" dirty="0" smtClean="0"/>
+                        </a:p>
+                        <a:p>
+                          <a:r>
+                            <a:rPr lang="en-US" altLang="en-IE" sz="1200" b="1" baseline="0" dirty="0" smtClean="0"/>
+                            <a:t>  b) Iterative Krylov Methods for Large Linear </a:t>
+                          </a:r>
+                          <a:r>
+                            <a:rPr lang="en-US" altLang="en-US" sz="1200" b="1" baseline="0" dirty="0" smtClean="0"/>
+                            <a:t>S</a:t>
+                          </a:r>
+                          <a:r>
+                            <a:rPr lang="en-US" altLang="en-IE" sz="1200" b="1" baseline="0" dirty="0" smtClean="0"/>
+                            <a:t>ystems.</a:t>
+                          </a:r>
+                          <a:endParaRPr lang="en-US" altLang="en-IE" sz="1200" b="1" baseline="0" dirty="0" smtClean="0"/>
+                        </a:p>
+                        <a:p>
+                          <a:r>
+                            <a:rPr lang="en-US" altLang="en-IE" sz="1200" b="1" baseline="0" dirty="0" smtClean="0"/>
+                            <a:t>  c) Kronecker matrix operations.</a:t>
+                          </a:r>
+                          <a:endParaRPr lang="en-US" altLang="en-IE" sz="1200" b="1" baseline="0" dirty="0" smtClean="0"/>
+                        </a:p>
+                        <a:p>
+                          <a:r>
+                            <a:rPr lang="en-US" altLang="en-IE" sz="1200" b="1" baseline="0" dirty="0" smtClean="0"/>
+                            <a:t>  d) Conjugate Gradients and Krylov subspace.</a:t>
+                          </a:r>
+                          <a:endParaRPr lang="en-US" altLang="en-IE" sz="1200" b="1" baseline="0" dirty="0" smtClean="0"/>
+                        </a:p>
+                        <a:p>
+                          <a:r>
+                            <a:rPr lang="en-US" altLang="en-IE" sz="1200" b="1" baseline="0" dirty="0" smtClean="0"/>
+                            <a:t>  e) Sylvester interpretation and matrix reshape.</a:t>
+                          </a:r>
+                          <a:endParaRPr lang="en-US" altLang="en-IE" sz="1200" b="1" baseline="0" dirty="0" smtClean="0"/>
+                        </a:p>
+                        <a:p>
+                          <a:r>
+                            <a:rPr lang="en-US" altLang="en-IE" sz="1200" b="1" baseline="0" dirty="0" smtClean="0"/>
+                            <a:t>  e) Existing libraries that are related to matrix operations.</a:t>
+                          </a:r>
+                          <a:endParaRPr lang="en-US" altLang="en-IE" sz="1200" b="1" baseline="0" dirty="0" smtClean="0"/>
+                        </a:p>
+                        <a:p>
+                          <a:r>
+                            <a:rPr lang="en-US" altLang="en-IE" sz="1200" b="1" baseline="0" dirty="0" smtClean="0"/>
+                            <a:t>2. D</a:t>
+                          </a:r>
+                          <a:r>
+                            <a:rPr lang="en-US" altLang="en-US" sz="1200" b="1" baseline="0" dirty="0" smtClean="0"/>
+                            <a:t>i</a:t>
+                          </a:r>
+                          <a:r>
+                            <a:rPr lang="en-US" altLang="en-IE" sz="1200" b="1" baseline="0" dirty="0" smtClean="0"/>
+                            <a:t>vide the problem into multiple smaller problems.</a:t>
+                          </a:r>
+                          <a:endParaRPr lang="en-US" altLang="en-IE" sz="1200" b="1" baseline="0" dirty="0" smtClean="0"/>
+                        </a:p>
+                        <a:p>
+                          <a:r>
+                            <a:rPr lang="en-US" altLang="en-IE" sz="1200" b="1" baseline="0" dirty="0" smtClean="0"/>
+                            <a:t>3. Implement algorithms, using methods learned from literature, to solve these problems individually. </a:t>
+                          </a:r>
+                          <a:endParaRPr lang="en-US" altLang="en-IE" sz="1200" b="1" baseline="0" dirty="0" smtClean="0"/>
+                        </a:p>
+                        <a:p>
+                          <a:r>
+                            <a:rPr lang="en-US" altLang="en-IE" sz="1200" b="1" baseline="0" dirty="0" smtClean="0"/>
+                            <a:t>4. Unit test</a:t>
+                          </a:r>
+                          <a:r>
+                            <a:rPr lang="en-US" altLang="en-US" sz="1200" b="1" baseline="0" dirty="0" smtClean="0"/>
+                            <a:t>s</a:t>
+                          </a:r>
+                          <a:r>
+                            <a:rPr lang="en-US" altLang="en-IE" sz="1200" b="1" baseline="0" dirty="0" smtClean="0"/>
+                            <a:t> on every algorithm.</a:t>
+                          </a:r>
+                          <a:endParaRPr lang="en-US" altLang="en-IE" sz="1200" b="1" baseline="0" dirty="0" smtClean="0"/>
+                        </a:p>
+                        <a:p>
+                          <a:r>
+                            <a:rPr lang="en-US" altLang="en-IE" sz="1200" b="1" baseline="0" dirty="0" smtClean="0"/>
+                            <a:t>5. Combine these algorithms into a system and perform function</a:t>
+                          </a:r>
+                          <a:r>
+                            <a:rPr lang="en-US" altLang="en-US" sz="1200" b="1" baseline="0" dirty="0" smtClean="0"/>
+                            <a:t>al</a:t>
+                          </a:r>
+                          <a:r>
+                            <a:rPr lang="en-US" altLang="en-IE" sz="1200" b="1" baseline="0" dirty="0" smtClean="0"/>
+                            <a:t> test</a:t>
+                          </a:r>
+                          <a:r>
+                            <a:rPr lang="en-US" altLang="en-US" sz="1200" b="1" baseline="0" dirty="0" smtClean="0"/>
+                            <a:t>s</a:t>
+                          </a:r>
+                          <a:r>
+                            <a:rPr lang="en-US" altLang="en-IE" sz="1200" b="1" baseline="0" dirty="0" smtClean="0"/>
+                            <a:t> and performance test</a:t>
+                          </a:r>
+                          <a:r>
+                            <a:rPr lang="en-US" altLang="en-US" sz="1200" b="1" baseline="0" dirty="0" smtClean="0"/>
+                            <a:t>s</a:t>
+                          </a:r>
+                          <a:r>
+                            <a:rPr lang="en-US" altLang="en-IE" sz="1200" b="1" baseline="0" dirty="0" smtClean="0"/>
+                            <a:t>.</a:t>
+                          </a:r>
+                          <a:endParaRPr lang="en-US" altLang="en-IE" sz="1200" b="1" baseline="0" dirty="0" smtClean="0"/>
+                        </a:p>
+                      </a:txBody>
+                      <a:tcPr>
+                        <a:lnL w="12700" cap="flat" cmpd="sng" algn="ctr">
+                          <a:solidFill>
+                            <a:schemeClr val="tx1"/>
+                          </a:solidFill>
+                          <a:prstDash val="solid"/>
+                          <a:round/>
+                          <a:headEnd type="none" w="med" len="med"/>
+                          <a:tailEnd type="none" w="med" len="med"/>
+                        </a:lnL>
+                        <a:lnR w="12700" cap="flat" cmpd="sng" algn="ctr">
+                          <a:solidFill>
+                            <a:schemeClr val="tx1"/>
+                          </a:solidFill>
+                          <a:prstDash val="solid"/>
+                          <a:round/>
+                          <a:headEnd type="none" w="med" len="med"/>
+                          <a:tailEnd type="none" w="med" len="med"/>
+                        </a:lnR>
+                        <a:lnT w="12700" cap="flat" cmpd="sng" algn="ctr">
+                          <a:solidFill>
+                            <a:schemeClr val="tx1"/>
+                          </a:solidFill>
+                          <a:prstDash val="solid"/>
+                          <a:round/>
+                          <a:headEnd type="none" w="med" len="med"/>
+                          <a:tailEnd type="none" w="med" len="med"/>
+                        </a:lnT>
+                        <a:lnB w="12700" cap="flat" cmpd="sng" algn="ctr">
+                          <a:solidFill>
+                            <a:schemeClr val="tx1"/>
+                          </a:solidFill>
+                          <a:prstDash val="solid"/>
+                          <a:round/>
+                          <a:headEnd type="none" w="med" len="med"/>
+                          <a:tailEnd type="none" w="med" len="med"/>
+                        </a:lnB>
+                        <a:solidFill>
+                          <a:schemeClr val="bg1">
+                            <a:lumMod val="95000"/>
+                          </a:schemeClr>
+                        </a:solidFill>
+                      </a:tcPr>
+                    </a:tc>
+                    <a:tc hMerge="1">
+                      <a:tcPr/>
+                    </a:tc>
+                  </a:tr>
+                  <a:tr h="1727258">
+                    <a:tc gridSpan="4">
+                      <a:txBody>
+                        <a:bodyPr/>
+                        <a:lstStyle/>
+                        <a:p>
+                          <a:pPr marL="0" marR="0" indent="0" algn="l" defTabSz="914400" rtl="0" eaLnBrk="1" fontAlgn="auto" latinLnBrk="0" hangingPunct="1">
+                            <a:lnSpc>
+                              <a:spcPct val="100000"/>
+                            </a:lnSpc>
+                            <a:spcBef>
+                              <a:spcPts val="0"/>
+                            </a:spcBef>
+                            <a:spcAft>
+                              <a:spcPts val="0"/>
+                            </a:spcAft>
+                            <a:buClrTx/>
+                            <a:buSzTx/>
+                            <a:buFontTx/>
+                            <a:buNone/>
+                            <a:defRPr/>
+                          </a:pPr>
+                          <a:r>
+                            <a:rPr lang="en-IE" sz="1800" b="1" dirty="0" smtClean="0"/>
+                            <a:t>4. Evaluation</a:t>
+                          </a:r>
+                          <a:endParaRPr lang="en-IE" sz="1800" b="1" dirty="0" smtClean="0"/>
+                        </a:p>
+                        <a:p>
+                          <a:pPr marL="0" marR="0" indent="0" algn="l" defTabSz="914400" rtl="0" eaLnBrk="1" fontAlgn="auto" latinLnBrk="0" hangingPunct="1">
+                            <a:lnSpc>
+                              <a:spcPct val="100000"/>
+                            </a:lnSpc>
+                            <a:spcBef>
+                              <a:spcPts val="0"/>
+                            </a:spcBef>
+                            <a:spcAft>
+                              <a:spcPts val="0"/>
+                            </a:spcAft>
+                            <a:buClrTx/>
+                            <a:buSzTx/>
+                            <a:buFontTx/>
+                            <a:buNone/>
+                            <a:defRPr/>
+                          </a:pPr>
+                          <a:r>
+                            <a:rPr lang="en-US" altLang="en-IE" sz="1200" b="1" dirty="0" smtClean="0"/>
+                            <a:t>Feed generated data or real data into the system.</a:t>
+                          </a:r>
+                          <a:endParaRPr lang="en-US" altLang="en-IE" sz="1200" b="1" dirty="0" smtClean="0"/>
+                        </a:p>
+                        <a:p>
+                          <a:pPr marL="0" marR="0" indent="0" algn="l" defTabSz="914400" rtl="0" eaLnBrk="1" fontAlgn="auto" latinLnBrk="0" hangingPunct="1">
+                            <a:lnSpc>
+                              <a:spcPct val="100000"/>
+                            </a:lnSpc>
+                            <a:spcBef>
+                              <a:spcPts val="0"/>
+                            </a:spcBef>
+                            <a:spcAft>
+                              <a:spcPts val="0"/>
+                            </a:spcAft>
+                            <a:buClrTx/>
+                            <a:buSzTx/>
+                            <a:buFontTx/>
+                            <a:buNone/>
+                            <a:defRPr/>
+                          </a:pPr>
+                          <a:r>
+                            <a:rPr lang="en-US" altLang="en-IE" sz="1200" b="1" dirty="0" smtClean="0"/>
+                            <a:t>Compare the output of the system with expectations.</a:t>
+                          </a:r>
+                          <a:endParaRPr lang="en-US" altLang="en-IE" sz="1200" b="1" dirty="0" smtClean="0"/>
+                        </a:p>
+                        <a:p>
+                          <a:pPr marL="0" marR="0" indent="0" algn="l" defTabSz="914400" rtl="0" eaLnBrk="1" fontAlgn="auto" latinLnBrk="0" hangingPunct="1">
+                            <a:lnSpc>
+                              <a:spcPct val="100000"/>
+                            </a:lnSpc>
+                            <a:spcBef>
+                              <a:spcPts val="0"/>
+                            </a:spcBef>
+                            <a:spcAft>
+                              <a:spcPts val="0"/>
+                            </a:spcAft>
+                            <a:buClrTx/>
+                            <a:buSzTx/>
+                            <a:buFontTx/>
+                            <a:buNone/>
+                            <a:defRPr/>
+                          </a:pPr>
+                          <a:r>
+                            <a:rPr lang="en-US" altLang="en-IE" sz="1200" b="1" dirty="0" smtClean="0"/>
+                            <a:t>Compare resource usage(CPU and memory) and computation </a:t>
+                          </a:r>
+                          <a:r>
+                            <a:rPr lang="en-US" altLang="en-US" sz="1200" b="1" dirty="0" smtClean="0"/>
+                            <a:t>time </a:t>
+                          </a:r>
+                          <a:r>
+                            <a:rPr lang="en-US" altLang="en-IE" sz="1200" b="1" dirty="0" smtClean="0"/>
+                            <a:t>with other systems.</a:t>
+                          </a:r>
+                          <a:endParaRPr lang="en-US" altLang="en-IE" sz="1200" b="1" dirty="0" smtClean="0"/>
+                        </a:p>
+                      </a:txBody>
+                      <a:tcPr>
+                        <a:lnL w="12700" cap="flat" cmpd="sng" algn="ctr">
+                          <a:solidFill>
+                            <a:schemeClr val="tx1"/>
+                          </a:solidFill>
+                          <a:prstDash val="solid"/>
+                          <a:round/>
+                          <a:headEnd type="none" w="med" len="med"/>
+                          <a:tailEnd type="none" w="med" len="med"/>
+                        </a:lnL>
+                        <a:lnR w="12700" cap="flat" cmpd="sng" algn="ctr">
+                          <a:solidFill>
+                            <a:schemeClr val="tx1"/>
+                          </a:solidFill>
+                          <a:prstDash val="solid"/>
+                          <a:round/>
+                          <a:headEnd type="none" w="med" len="med"/>
+                          <a:tailEnd type="none" w="med" len="med"/>
+                        </a:lnR>
+                        <a:lnT w="12700" cap="flat" cmpd="sng" algn="ctr">
+                          <a:solidFill>
+                            <a:schemeClr val="tx1"/>
+                          </a:solidFill>
+                          <a:prstDash val="solid"/>
+                          <a:round/>
+                          <a:headEnd type="none" w="med" len="med"/>
+                          <a:tailEnd type="none" w="med" len="med"/>
+                        </a:lnT>
+                        <a:lnB w="12700" cap="flat" cmpd="sng" algn="ctr">
+                          <a:solidFill>
+                            <a:schemeClr val="tx1"/>
+                          </a:solidFill>
+                          <a:prstDash val="solid"/>
+                          <a:round/>
+                          <a:headEnd type="none" w="med" len="med"/>
+                          <a:tailEnd type="none" w="med" len="med"/>
+                        </a:lnB>
+                        <a:solidFill>
+                          <a:schemeClr val="bg1">
+                            <a:lumMod val="95000"/>
+                          </a:schemeClr>
+                        </a:solidFill>
+                      </a:tcPr>
+                    </a:tc>
+                    <a:tc hMerge="1">
+                      <a:tcPr/>
+                    </a:tc>
+                    <a:tc hMerge="1">
+                      <a:tcPr>
+                        <a:solidFill>
+                          <a:schemeClr val="bg1">
+                            <a:lumMod val="95000"/>
+                          </a:schemeClr>
+                        </a:solidFill>
+                      </a:tcPr>
+                    </a:tc>
+                    <a:tc hMerge="1">
+                      <a:tcPr/>
+                    </a:tc>
+                  </a:tr>
+                  <a:tr h="1277907">
+                    <a:tc gridSpan="4">
+                      <a:txBody>
+                        <a:bodyPr/>
+                        <a:lstStyle/>
+                        <a:p>
+                          <a:r>
+                            <a:rPr lang="en-IE" sz="1800" b="1" baseline="0" dirty="0" smtClean="0"/>
+                            <a:t>5. Contribution</a:t>
+                          </a:r>
+                          <a:endParaRPr lang="en-IE" sz="1800" b="1" dirty="0" smtClean="0"/>
+                        </a:p>
+                        <a:p>
+                          <a:r>
+                            <a:rPr lang="en-US" altLang="en-IE" sz="1200" b="1" dirty="0" smtClean="0"/>
+                            <a:t>Algorithms implementation that can solve massive matrix problems to help cosmic microwave background source separation problem.</a:t>
+                          </a:r>
+                          <a:endParaRPr lang="en-US" altLang="en-IE" sz="1200" b="1" dirty="0" smtClean="0"/>
+                        </a:p>
+                        <a:p>
+                          <a:r>
+                            <a:rPr lang="en-US" altLang="en-IE" sz="1200" b="1" dirty="0" smtClean="0"/>
+                            <a:t>Resources usage and computation details of the algorithms.</a:t>
+                          </a:r>
+                          <a:endParaRPr lang="en-US" altLang="en-IE" sz="1200" b="1" dirty="0" smtClean="0"/>
+                        </a:p>
+                      </a:txBody>
+                      <a:tcPr>
+                        <a:lnL w="12700" cap="flat" cmpd="sng" algn="ctr">
+                          <a:solidFill>
+                            <a:schemeClr val="tx1"/>
+                          </a:solidFill>
+                          <a:prstDash val="solid"/>
+                          <a:round/>
+                          <a:headEnd type="none" w="med" len="med"/>
+                          <a:tailEnd type="none" w="med" len="med"/>
+                        </a:lnL>
+                        <a:lnR w="12700" cap="flat" cmpd="sng" algn="ctr">
+                          <a:solidFill>
+                            <a:schemeClr val="tx1"/>
+                          </a:solidFill>
+                          <a:prstDash val="solid"/>
+                          <a:round/>
+                          <a:headEnd type="none" w="med" len="med"/>
+                          <a:tailEnd type="none" w="med" len="med"/>
+                        </a:lnR>
+                        <a:lnT w="12700" cap="flat" cmpd="sng" algn="ctr">
+                          <a:solidFill>
+                            <a:schemeClr val="tx1"/>
+                          </a:solidFill>
+                          <a:prstDash val="solid"/>
+                          <a:round/>
+                          <a:headEnd type="none" w="med" len="med"/>
+                          <a:tailEnd type="none" w="med" len="med"/>
+                        </a:lnT>
+                        <a:lnB w="12700" cap="flat" cmpd="sng" algn="ctr">
+                          <a:solidFill>
+                            <a:schemeClr val="tx1"/>
+                          </a:solidFill>
+                          <a:prstDash val="solid"/>
+                          <a:round/>
+                          <a:headEnd type="none" w="med" len="med"/>
+                          <a:tailEnd type="none" w="med" len="med"/>
+                        </a:lnB>
+                        <a:solidFill>
+                          <a:schemeClr val="bg1">
+                            <a:lumMod val="95000"/>
+                          </a:schemeClr>
+                        </a:solidFill>
+                      </a:tcPr>
+                    </a:tc>
+                    <a:tc hMerge="1">
+                      <a:tcPr>
+                        <a:solidFill>
+                          <a:schemeClr val="bg1">
+                            <a:lumMod val="95000"/>
+                          </a:schemeClr>
+                        </a:solidFill>
+                      </a:tcPr>
+                    </a:tc>
+                    <a:tc hMerge="1">
+                      <a:tcPr>
+                        <a:lnL w="12700" cap="flat" cmpd="sng" algn="ctr">
+                          <a:solidFill>
+                            <a:schemeClr val="tx1"/>
+                          </a:solidFill>
+                          <a:prstDash val="solid"/>
+                          <a:round/>
+                          <a:headEnd type="none" w="med" len="med"/>
+                          <a:tailEnd type="none" w="med" len="med"/>
+                        </a:lnL>
+                        <a:lnR w="12700" cap="flat" cmpd="sng" algn="ctr">
+                          <a:solidFill>
+                            <a:schemeClr val="tx1"/>
+                          </a:solidFill>
+                          <a:prstDash val="solid"/>
+                          <a:round/>
+                          <a:headEnd type="none" w="med" len="med"/>
+                          <a:tailEnd type="none" w="med" len="med"/>
+                        </a:lnR>
+                        <a:lnT w="12700" cap="flat" cmpd="sng" algn="ctr">
+                          <a:solidFill>
+                            <a:schemeClr val="tx1"/>
+                          </a:solidFill>
+                          <a:prstDash val="solid"/>
+                          <a:round/>
+                          <a:headEnd type="none" w="med" len="med"/>
+                          <a:tailEnd type="none" w="med" len="med"/>
+                        </a:lnT>
+                        <a:lnB w="12700" cap="flat" cmpd="sng" algn="ctr">
+                          <a:solidFill>
+                            <a:schemeClr val="tx1"/>
+                          </a:solidFill>
+                          <a:prstDash val="solid"/>
+                          <a:round/>
+                          <a:headEnd type="none" w="med" len="med"/>
+                          <a:tailEnd type="none" w="med" len="med"/>
+                        </a:lnB>
+                        <a:solidFill>
+                          <a:schemeClr val="bg1">
+                            <a:lumMod val="95000"/>
+                          </a:schemeClr>
+                        </a:solidFill>
+                      </a:tcPr>
+                    </a:tc>
+                    <a:tc hMerge="1">
+                      <a:tcPr/>
+                    </a:tc>
+                  </a:tr>
+                </a:tbl>
+              </a:graphicData>
+            </a:graphic>
+          </p:graphicFrame>
+        </mc:Choice>
+        <mc:Fallback xmlns="">
+          <p:graphicFrame>
+            <p:nvGraphicFramePr>
+              <p:cNvPr id="2" name="Table 1"/>
+              <p:cNvGraphicFramePr>
+                <a:graphicFrameLocks noGrp="1"/>
+              </p:cNvGraphicFramePr>
+              <p:nvPr/>
+            </p:nvGraphicFramePr>
+            <p:xfrm>
+              <a:off x="18638" y="70648"/>
+              <a:ext cx="12103456" cy="6704492"/>
+            </p:xfrm>
+            <a:graphic>
+              <a:graphicData uri="http://schemas.openxmlformats.org/drawingml/2006/table">
+                <a:tbl>
+                  <a:tblPr firstRow="1" bandRow="1">
+                    <a:tableStyleId>{5C22544A-7EE6-4342-B048-85BDC9FD1C3A}</a:tableStyleId>
+                  </a:tblPr>
+                  <a:tblGrid>
+                    <a:gridCol w="2679738"/>
+                    <a:gridCol w="2460853"/>
+                    <a:gridCol w="2747642"/>
+                    <a:gridCol w="4215223"/>
+                  </a:tblGrid>
+                  <a:tr h="385660">
+                    <a:tc>
+                      <a:txBody>
+                        <a:bodyPr/>
+                        <a:lstStyle/>
+                        <a:p>
+                          <a:r>
+                            <a:rPr lang="en-IE" sz="1200" dirty="0" smtClean="0"/>
+                            <a:t>Student Name:</a:t>
+                          </a:r>
+                          <a:r>
+                            <a:rPr lang="en-US" altLang="en-IE" sz="1200" dirty="0" smtClean="0"/>
+                            <a:t>JIAJIN ZHAO</a:t>
+                          </a:r>
+                          <a:endParaRPr lang="en-US" altLang="en-IE" sz="1200" dirty="0" smtClean="0"/>
+                        </a:p>
+                      </a:txBody>
+                      <a:tcPr>
+                        <a:lnB w="12700" cap="flat" cmpd="sng" algn="ctr">
+                          <a:solidFill>
+                            <a:schemeClr val="tx1"/>
+                          </a:solidFill>
+                          <a:prstDash val="solid"/>
+                          <a:round/>
+                          <a:headEnd type="none" w="med" len="med"/>
+                          <a:tailEnd type="none" w="med" len="med"/>
+                        </a:lnB>
+                      </a:tcPr>
+                    </a:tc>
+                    <a:tc>
+                      <a:txBody>
+                        <a:bodyPr/>
+                        <a:lstStyle/>
+                        <a:p>
+                          <a:r>
+                            <a:rPr lang="en-IE" sz="1200" dirty="0" smtClean="0"/>
+                            <a:t>Student ID:</a:t>
+                          </a:r>
+                          <a:r>
+                            <a:rPr lang="en-US" altLang="en-IE" sz="1200" dirty="0" smtClean="0"/>
+                            <a:t>19300809</a:t>
+                          </a:r>
+                          <a:endParaRPr lang="en-US" altLang="en-IE" sz="1200" dirty="0" smtClean="0"/>
+                        </a:p>
+                      </a:txBody>
+                      <a:tcPr>
+                        <a:lnB w="12700" cap="flat" cmpd="sng" algn="ctr">
+                          <a:solidFill>
+                            <a:schemeClr val="tx1"/>
+                          </a:solidFill>
+                          <a:prstDash val="solid"/>
+                          <a:round/>
+                          <a:headEnd type="none" w="med" len="med"/>
+                          <a:tailEnd type="none" w="med" len="med"/>
+                        </a:lnB>
+                      </a:tcPr>
+                    </a:tc>
+                    <a:tc>
+                      <a:txBody>
+                        <a:bodyPr/>
+                        <a:lstStyle/>
+                        <a:p>
+                          <a:r>
+                            <a:rPr lang="en-IE" sz="1200" dirty="0" smtClean="0"/>
+                            <a:t>Stream:</a:t>
+                          </a:r>
+                          <a:r>
+                            <a:rPr lang="en-US" altLang="en-IE" sz="1200" dirty="0" smtClean="0"/>
+                            <a:t>Future Networked Systems</a:t>
+                          </a:r>
+                          <a:endParaRPr lang="en-US" altLang="en-IE" sz="1200" dirty="0" smtClean="0"/>
+                        </a:p>
+                      </a:txBody>
+                      <a:tcPr>
+                        <a:lnB w="12700" cap="flat" cmpd="sng" algn="ctr">
+                          <a:solidFill>
+                            <a:schemeClr val="tx1"/>
+                          </a:solidFill>
+                          <a:prstDash val="solid"/>
+                          <a:round/>
+                          <a:headEnd type="none" w="med" len="med"/>
+                          <a:tailEnd type="none" w="med" len="med"/>
+                        </a:lnB>
+                      </a:tcPr>
+                    </a:tc>
+                    <a:tc>
+                      <a:txBody>
+                        <a:bodyPr/>
+                        <a:lstStyle/>
+                        <a:p>
+                          <a:r>
+                            <a:rPr lang="en-IE" sz="1200" dirty="0" smtClean="0"/>
+                            <a:t>Supervisor Name:Simon Wilson</a:t>
+                          </a:r>
+                          <a:endParaRPr lang="en-IE" sz="1200" dirty="0" smtClean="0"/>
+                        </a:p>
+                      </a:txBody>
+                      <a:tcPr>
+                        <a:lnB w="12700" cap="flat" cmpd="sng" algn="ctr">
+                          <a:solidFill>
+                            <a:schemeClr val="tx1"/>
+                          </a:solidFill>
+                          <a:prstDash val="solid"/>
+                          <a:round/>
+                          <a:headEnd type="none" w="med" len="med"/>
+                          <a:tailEnd type="none" w="med" len="med"/>
+                        </a:lnB>
+                      </a:tcPr>
+                    </a:tc>
+                  </a:tr>
+                  <a:tr h="798195">
+                    <a:tc gridSpan="4">
+                      <a:txBody>
+                        <a:bodyPr/>
+                        <a:lstStyle/>
+                        <a:p>
+                          <a:endParaRPr lang="en-US"/>
+                        </a:p>
+                      </a:txBody>
+                      <a:tcPr>
+                        <a:lnL w="12700" cap="flat" cmpd="sng" algn="ctr">
+                          <a:solidFill>
+                            <a:schemeClr val="tx1"/>
+                          </a:solidFill>
+                          <a:prstDash val="solid"/>
+                          <a:round/>
+                          <a:headEnd type="none" w="med" len="med"/>
+                          <a:tailEnd type="none" w="med" len="med"/>
+                        </a:lnL>
+                        <a:lnR w="12700" cap="flat" cmpd="sng" algn="ctr">
+                          <a:solidFill>
+                            <a:schemeClr val="tx1"/>
+                          </a:solidFill>
+                          <a:prstDash val="solid"/>
+                          <a:round/>
+                          <a:headEnd type="none" w="med" len="med"/>
+                          <a:tailEnd type="none" w="med" len="med"/>
+                        </a:lnR>
+                        <a:lnT w="12700" cap="flat" cmpd="sng" algn="ctr">
+                          <a:solidFill>
+                            <a:schemeClr val="tx1"/>
+                          </a:solidFill>
+                          <a:prstDash val="solid"/>
+                          <a:round/>
+                          <a:headEnd type="none" w="med" len="med"/>
+                          <a:tailEnd type="none" w="med" len="med"/>
+                        </a:lnT>
+                        <a:lnB w="12700" cap="flat" cmpd="sng" algn="ctr">
+                          <a:solidFill>
+                            <a:schemeClr val="tx1"/>
+                          </a:solidFill>
+                          <a:prstDash val="solid"/>
+                          <a:round/>
+                          <a:headEnd type="none" w="med" len="med"/>
+                          <a:tailEnd type="none" w="med" len="med"/>
+                        </a:lnB>
+                        <a:blipFill>
+                          <a:blip r:embed="rId1"/>
+                        </a:blipFill>
+                      </a:tcPr>
+                    </a:tc>
+                    <a:tc hMerge="1">
+                      <a:tcPr/>
+                    </a:tc>
+                    <a:tc hMerge="1">
+                      <a:tcPr>
+                        <a:solidFill>
+                          <a:schemeClr val="bg1">
+                            <a:lumMod val="95000"/>
+                          </a:schemeClr>
+                        </a:solidFill>
+                      </a:tcPr>
+                    </a:tc>
+                    <a:tc hMerge="1">
+                      <a:tcPr/>
+                    </a:tc>
+                  </a:tr>
+                  <a:tr h="2515386">
+                    <a:tc gridSpan="2">
+                      <a:txBody>
+                        <a:bodyPr/>
+                        <a:lstStyle/>
+                        <a:p>
+                          <a:r>
+                            <a:rPr lang="en-IE" sz="1800" b="1" dirty="0" smtClean="0"/>
+                            <a:t>2. Research</a:t>
+                          </a:r>
+                          <a:r>
+                            <a:rPr lang="en-IE" sz="1800" b="1" baseline="0" dirty="0" smtClean="0"/>
+                            <a:t> Objectives</a:t>
+                          </a:r>
+                          <a:endParaRPr lang="en-IE" sz="1800" b="1" baseline="0" dirty="0" smtClean="0"/>
+                        </a:p>
+                        <a:p>
+                          <a:r>
+                            <a:rPr lang="en-US" altLang="en-IE" sz="1200" b="1" baseline="0" dirty="0" smtClean="0"/>
+                            <a:t>1. </a:t>
+                          </a:r>
+                          <a:r>
+                            <a:rPr lang="en-US" altLang="en-US" sz="1200" b="1" baseline="0" dirty="0" smtClean="0"/>
+                            <a:t>Understand the meaning and format of every variable in the equation.</a:t>
+                          </a:r>
+                          <a:endParaRPr lang="en-US" altLang="en-US" sz="1200" b="1" baseline="0" dirty="0" smtClean="0"/>
+                        </a:p>
+                        <a:p>
+                          <a:r>
+                            <a:rPr lang="en-US" altLang="en-US" sz="1200" b="1" baseline="0" dirty="0" smtClean="0"/>
+                            <a:t>2. Understand the math methods that can help solve this equation.</a:t>
+                          </a:r>
+                          <a:endParaRPr lang="en-US" altLang="en-US" sz="1200" b="1" baseline="0" dirty="0" smtClean="0"/>
+                        </a:p>
+                        <a:p>
+                          <a:r>
+                            <a:rPr lang="en-US" altLang="en-US" sz="1200" b="1" baseline="0" dirty="0" smtClean="0"/>
+                            <a:t>3. Implement the algorithms that can solve the problem.</a:t>
+                          </a:r>
+                          <a:endParaRPr lang="en-US" altLang="en-US" sz="1200" b="1" baseline="0" dirty="0" smtClean="0"/>
+                        </a:p>
+                        <a:p>
+                          <a:r>
+                            <a:rPr lang="en-US" altLang="en-US" sz="1200" b="1" baseline="0" dirty="0" smtClean="0"/>
+                            <a:t>4. Test performance of these algorithms. </a:t>
+                          </a:r>
+                          <a:endParaRPr lang="en-US" altLang="en-US" sz="1200" b="1" baseline="0" dirty="0" smtClean="0"/>
+                        </a:p>
+                      </a:txBody>
+                      <a:tcPr>
+                        <a:lnL w="12700" cap="flat" cmpd="sng" algn="ctr">
+                          <a:solidFill>
+                            <a:schemeClr val="tx1"/>
+                          </a:solidFill>
+                          <a:prstDash val="solid"/>
+                          <a:round/>
+                          <a:headEnd type="none" w="med" len="med"/>
+                          <a:tailEnd type="none" w="med" len="med"/>
+                        </a:lnL>
+                        <a:lnR w="12700" cap="flat" cmpd="sng" algn="ctr">
+                          <a:solidFill>
+                            <a:schemeClr val="tx1"/>
+                          </a:solidFill>
+                          <a:prstDash val="solid"/>
+                          <a:round/>
+                          <a:headEnd type="none" w="med" len="med"/>
+                          <a:tailEnd type="none" w="med" len="med"/>
+                        </a:lnR>
+                        <a:lnT w="12700" cap="flat" cmpd="sng" algn="ctr">
+                          <a:solidFill>
+                            <a:schemeClr val="tx1"/>
+                          </a:solidFill>
+                          <a:prstDash val="solid"/>
+                          <a:round/>
+                          <a:headEnd type="none" w="med" len="med"/>
+                          <a:tailEnd type="none" w="med" len="med"/>
+                        </a:lnT>
+                        <a:lnB w="12700" cap="flat" cmpd="sng" algn="ctr">
+                          <a:solidFill>
+                            <a:schemeClr val="tx1"/>
+                          </a:solidFill>
+                          <a:prstDash val="solid"/>
+                          <a:round/>
+                          <a:headEnd type="none" w="med" len="med"/>
+                          <a:tailEnd type="none" w="med" len="med"/>
+                        </a:lnB>
+                        <a:solidFill>
+                          <a:schemeClr val="bg1">
+                            <a:lumMod val="95000"/>
+                          </a:schemeClr>
+                        </a:solidFill>
+                      </a:tcPr>
+                    </a:tc>
+                    <a:tc hMerge="1">
+                      <a:tcPr/>
+                    </a:tc>
+                    <a:tc gridSpan="2">
+                      <a:txBody>
+                        <a:bodyPr/>
+                        <a:lstStyle/>
+                        <a:p>
+                          <a:r>
+                            <a:rPr lang="en-US" altLang="en-IE" sz="1400" b="1" dirty="0" smtClean="0"/>
+                            <a:t> </a:t>
+                          </a:r>
+                          <a:r>
+                            <a:rPr lang="en-IE" sz="1400" b="1" dirty="0" smtClean="0"/>
+                            <a:t>3. </a:t>
+                          </a:r>
+                          <a:r>
+                            <a:rPr lang="en-IE" sz="1800" b="1" dirty="0" smtClean="0"/>
+                            <a:t>Approach/Method</a:t>
+                          </a:r>
+                          <a:r>
+                            <a:rPr lang="en-IE" sz="1800" b="1" baseline="0" dirty="0" smtClean="0"/>
+                            <a:t> to achieve objectives</a:t>
+                          </a:r>
+                          <a:endParaRPr lang="en-IE" sz="1800" b="1" baseline="0" dirty="0" smtClean="0"/>
+                        </a:p>
+                        <a:p>
+                          <a:r>
+                            <a:rPr lang="en-US" altLang="en-IE" sz="1200" b="1" baseline="0" dirty="0" smtClean="0"/>
+                            <a:t>1. Literature review to find</a:t>
+                          </a:r>
+                          <a:endParaRPr lang="en-US" altLang="en-IE" sz="1200" b="1" baseline="0" dirty="0" smtClean="0"/>
+                        </a:p>
+                        <a:p>
+                          <a:r>
+                            <a:rPr lang="en-US" altLang="en-IE" sz="1200" b="1" baseline="0" dirty="0" smtClean="0"/>
+                            <a:t>  a) cosmic microwave background source separation.</a:t>
+                          </a:r>
+                          <a:endParaRPr lang="en-US" altLang="en-IE" sz="1200" b="1" baseline="0" dirty="0" smtClean="0"/>
+                        </a:p>
+                        <a:p>
+                          <a:r>
+                            <a:rPr lang="en-US" altLang="en-IE" sz="1200" b="1" baseline="0" dirty="0" smtClean="0"/>
+                            <a:t>  b) Iterative Krylov Methods for Large Linear </a:t>
+                          </a:r>
+                          <a:r>
+                            <a:rPr lang="en-US" altLang="en-US" sz="1200" b="1" baseline="0" dirty="0" smtClean="0"/>
+                            <a:t>S</a:t>
+                          </a:r>
+                          <a:r>
+                            <a:rPr lang="en-US" altLang="en-IE" sz="1200" b="1" baseline="0" dirty="0" smtClean="0"/>
+                            <a:t>ystems.</a:t>
+                          </a:r>
+                          <a:endParaRPr lang="en-US" altLang="en-IE" sz="1200" b="1" baseline="0" dirty="0" smtClean="0"/>
+                        </a:p>
+                        <a:p>
+                          <a:r>
+                            <a:rPr lang="en-US" altLang="en-IE" sz="1200" b="1" baseline="0" dirty="0" smtClean="0"/>
+                            <a:t>  c) Kronecker matrix operations.</a:t>
+                          </a:r>
+                          <a:endParaRPr lang="en-US" altLang="en-IE" sz="1200" b="1" baseline="0" dirty="0" smtClean="0"/>
+                        </a:p>
+                        <a:p>
+                          <a:r>
+                            <a:rPr lang="en-US" altLang="en-IE" sz="1200" b="1" baseline="0" dirty="0" smtClean="0"/>
+                            <a:t>  d) Conjugate Gradients and Krylov subspace.</a:t>
+                          </a:r>
+                          <a:endParaRPr lang="en-US" altLang="en-IE" sz="1200" b="1" baseline="0" dirty="0" smtClean="0"/>
+                        </a:p>
+                        <a:p>
+                          <a:r>
+                            <a:rPr lang="en-US" altLang="en-IE" sz="1200" b="1" baseline="0" dirty="0" smtClean="0"/>
+                            <a:t>  e) Sylvester interpretation and matrix reshape.</a:t>
+                          </a:r>
+                          <a:endParaRPr lang="en-US" altLang="en-IE" sz="1200" b="1" baseline="0" dirty="0" smtClean="0"/>
+                        </a:p>
+                        <a:p>
+                          <a:r>
+                            <a:rPr lang="en-US" altLang="en-IE" sz="1200" b="1" baseline="0" dirty="0" smtClean="0"/>
+                            <a:t>  e) Existing libraries that are related to matrix operations.</a:t>
+                          </a:r>
+                          <a:endParaRPr lang="en-US" altLang="en-IE" sz="1200" b="1" baseline="0" dirty="0" smtClean="0"/>
+                        </a:p>
+                        <a:p>
+                          <a:r>
+                            <a:rPr lang="en-US" altLang="en-IE" sz="1200" b="1" baseline="0" dirty="0" smtClean="0"/>
+                            <a:t>2. D</a:t>
+                          </a:r>
+                          <a:r>
+                            <a:rPr lang="en-US" altLang="en-US" sz="1200" b="1" baseline="0" dirty="0" smtClean="0"/>
+                            <a:t>i</a:t>
+                          </a:r>
+                          <a:r>
+                            <a:rPr lang="en-US" altLang="en-IE" sz="1200" b="1" baseline="0" dirty="0" smtClean="0"/>
+                            <a:t>vide the problem into multiple smaller problems.</a:t>
+                          </a:r>
+                          <a:endParaRPr lang="en-US" altLang="en-IE" sz="1200" b="1" baseline="0" dirty="0" smtClean="0"/>
+                        </a:p>
+                        <a:p>
+                          <a:r>
+                            <a:rPr lang="en-US" altLang="en-IE" sz="1200" b="1" baseline="0" dirty="0" smtClean="0"/>
+                            <a:t>3. Implement algorithms, using methods learned from literature, to solve these problems individually. </a:t>
+                          </a:r>
+                          <a:endParaRPr lang="en-US" altLang="en-IE" sz="1200" b="1" baseline="0" dirty="0" smtClean="0"/>
+                        </a:p>
+                        <a:p>
+                          <a:r>
+                            <a:rPr lang="en-US" altLang="en-IE" sz="1200" b="1" baseline="0" dirty="0" smtClean="0"/>
+                            <a:t>4. Unit test</a:t>
+                          </a:r>
+                          <a:r>
+                            <a:rPr lang="en-US" altLang="en-US" sz="1200" b="1" baseline="0" dirty="0" smtClean="0"/>
+                            <a:t>s</a:t>
+                          </a:r>
+                          <a:r>
+                            <a:rPr lang="en-US" altLang="en-IE" sz="1200" b="1" baseline="0" dirty="0" smtClean="0"/>
+                            <a:t> on every algorithm.</a:t>
+                          </a:r>
+                          <a:endParaRPr lang="en-US" altLang="en-IE" sz="1200" b="1" baseline="0" dirty="0" smtClean="0"/>
+                        </a:p>
+                        <a:p>
+                          <a:r>
+                            <a:rPr lang="en-US" altLang="en-IE" sz="1200" b="1" baseline="0" dirty="0" smtClean="0"/>
+                            <a:t>5. Combine these algorithms into a system and perform function</a:t>
+                          </a:r>
+                          <a:r>
+                            <a:rPr lang="en-US" altLang="en-US" sz="1200" b="1" baseline="0" dirty="0" smtClean="0"/>
+                            <a:t>al</a:t>
+                          </a:r>
+                          <a:r>
+                            <a:rPr lang="en-US" altLang="en-IE" sz="1200" b="1" baseline="0" dirty="0" smtClean="0"/>
+                            <a:t> test</a:t>
+                          </a:r>
+                          <a:r>
+                            <a:rPr lang="en-US" altLang="en-US" sz="1200" b="1" baseline="0" dirty="0" smtClean="0"/>
+                            <a:t>s</a:t>
+                          </a:r>
+                          <a:r>
+                            <a:rPr lang="en-US" altLang="en-IE" sz="1200" b="1" baseline="0" dirty="0" smtClean="0"/>
+                            <a:t> and performance test</a:t>
+                          </a:r>
+                          <a:r>
+                            <a:rPr lang="en-US" altLang="en-US" sz="1200" b="1" baseline="0" dirty="0" smtClean="0"/>
+                            <a:t>s</a:t>
+                          </a:r>
+                          <a:r>
+                            <a:rPr lang="en-US" altLang="en-IE" sz="1200" b="1" baseline="0" dirty="0" smtClean="0"/>
+                            <a:t>.</a:t>
+                          </a:r>
+                          <a:endParaRPr lang="en-US" altLang="en-IE" sz="1200" b="1" baseline="0" dirty="0" smtClean="0"/>
+                        </a:p>
+                      </a:txBody>
+                      <a:tcPr>
+                        <a:lnL w="12700" cap="flat" cmpd="sng" algn="ctr">
+                          <a:solidFill>
+                            <a:schemeClr val="tx1"/>
+                          </a:solidFill>
+                          <a:prstDash val="solid"/>
+                          <a:round/>
+                          <a:headEnd type="none" w="med" len="med"/>
+                          <a:tailEnd type="none" w="med" len="med"/>
+                        </a:lnL>
+                        <a:lnR w="12700" cap="flat" cmpd="sng" algn="ctr">
+                          <a:solidFill>
+                            <a:schemeClr val="tx1"/>
+                          </a:solidFill>
+                          <a:prstDash val="solid"/>
+                          <a:round/>
+                          <a:headEnd type="none" w="med" len="med"/>
+                          <a:tailEnd type="none" w="med" len="med"/>
+                        </a:lnR>
+                        <a:lnT w="12700" cap="flat" cmpd="sng" algn="ctr">
+                          <a:solidFill>
+                            <a:schemeClr val="tx1"/>
+                          </a:solidFill>
+                          <a:prstDash val="solid"/>
+                          <a:round/>
+                          <a:headEnd type="none" w="med" len="med"/>
+                          <a:tailEnd type="none" w="med" len="med"/>
+                        </a:lnT>
+                        <a:lnB w="12700" cap="flat" cmpd="sng" algn="ctr">
+                          <a:solidFill>
+                            <a:schemeClr val="tx1"/>
+                          </a:solidFill>
+                          <a:prstDash val="solid"/>
+                          <a:round/>
+                          <a:headEnd type="none" w="med" len="med"/>
+                          <a:tailEnd type="none" w="med" len="med"/>
+                        </a:lnB>
+                        <a:solidFill>
+                          <a:schemeClr val="bg1">
+                            <a:lumMod val="95000"/>
+                          </a:schemeClr>
+                        </a:solidFill>
+                      </a:tcPr>
+                    </a:tc>
+                    <a:tc hMerge="1">
+                      <a:tcPr/>
+                    </a:tc>
+                  </a:tr>
+                  <a:tr h="1727258">
+                    <a:tc gridSpan="4">
+                      <a:txBody>
+                        <a:bodyPr/>
+                        <a:lstStyle/>
+                        <a:p>
+                          <a:pPr marL="0" marR="0" indent="0" algn="l" defTabSz="914400" rtl="0" eaLnBrk="1" fontAlgn="auto" latinLnBrk="0" hangingPunct="1">
+                            <a:lnSpc>
+                              <a:spcPct val="100000"/>
+                            </a:lnSpc>
+                            <a:spcBef>
+                              <a:spcPts val="0"/>
+                            </a:spcBef>
+                            <a:spcAft>
+                              <a:spcPts val="0"/>
+                            </a:spcAft>
+                            <a:buClrTx/>
+                            <a:buSzTx/>
+                            <a:buFontTx/>
+                            <a:buNone/>
+                            <a:defRPr/>
+                          </a:pPr>
+                          <a:r>
+                            <a:rPr lang="en-IE" sz="1800" b="1" dirty="0" smtClean="0"/>
+                            <a:t>4. Evaluation</a:t>
+                          </a:r>
+                          <a:endParaRPr lang="en-IE" sz="1800" b="1" dirty="0" smtClean="0"/>
+                        </a:p>
+                        <a:p>
+                          <a:pPr marL="0" marR="0" indent="0" algn="l" defTabSz="914400" rtl="0" eaLnBrk="1" fontAlgn="auto" latinLnBrk="0" hangingPunct="1">
+                            <a:lnSpc>
+                              <a:spcPct val="100000"/>
+                            </a:lnSpc>
+                            <a:spcBef>
+                              <a:spcPts val="0"/>
+                            </a:spcBef>
+                            <a:spcAft>
+                              <a:spcPts val="0"/>
+                            </a:spcAft>
+                            <a:buClrTx/>
+                            <a:buSzTx/>
+                            <a:buFontTx/>
+                            <a:buNone/>
+                            <a:defRPr/>
+                          </a:pPr>
+                          <a:r>
+                            <a:rPr lang="en-US" altLang="en-IE" sz="1200" b="1" dirty="0" smtClean="0"/>
+                            <a:t>Feed generated data or real data into the system.</a:t>
+                          </a:r>
+                          <a:endParaRPr lang="en-US" altLang="en-IE" sz="1200" b="1" dirty="0" smtClean="0"/>
+                        </a:p>
+                        <a:p>
+                          <a:pPr marL="0" marR="0" indent="0" algn="l" defTabSz="914400" rtl="0" eaLnBrk="1" fontAlgn="auto" latinLnBrk="0" hangingPunct="1">
+                            <a:lnSpc>
+                              <a:spcPct val="100000"/>
+                            </a:lnSpc>
+                            <a:spcBef>
+                              <a:spcPts val="0"/>
+                            </a:spcBef>
+                            <a:spcAft>
+                              <a:spcPts val="0"/>
+                            </a:spcAft>
+                            <a:buClrTx/>
+                            <a:buSzTx/>
+                            <a:buFontTx/>
+                            <a:buNone/>
+                            <a:defRPr/>
+                          </a:pPr>
+                          <a:r>
+                            <a:rPr lang="en-US" altLang="en-IE" sz="1200" b="1" dirty="0" smtClean="0"/>
+                            <a:t>Compare the output of the system with expectations.</a:t>
+                          </a:r>
+                          <a:endParaRPr lang="en-US" altLang="en-IE" sz="1200" b="1" dirty="0" smtClean="0"/>
+                        </a:p>
+                        <a:p>
+                          <a:pPr marL="0" marR="0" indent="0" algn="l" defTabSz="914400" rtl="0" eaLnBrk="1" fontAlgn="auto" latinLnBrk="0" hangingPunct="1">
+                            <a:lnSpc>
+                              <a:spcPct val="100000"/>
+                            </a:lnSpc>
+                            <a:spcBef>
+                              <a:spcPts val="0"/>
+                            </a:spcBef>
+                            <a:spcAft>
+                              <a:spcPts val="0"/>
+                            </a:spcAft>
+                            <a:buClrTx/>
+                            <a:buSzTx/>
+                            <a:buFontTx/>
+                            <a:buNone/>
+                            <a:defRPr/>
+                          </a:pPr>
+                          <a:r>
+                            <a:rPr lang="en-US" altLang="en-IE" sz="1200" b="1" dirty="0" smtClean="0"/>
+                            <a:t>Compare resource usage(CPU and memory) and computation </a:t>
+                          </a:r>
+                          <a:r>
+                            <a:rPr lang="en-US" altLang="en-US" sz="1200" b="1" dirty="0" smtClean="0"/>
+                            <a:t>time </a:t>
+                          </a:r>
+                          <a:r>
+                            <a:rPr lang="en-US" altLang="en-IE" sz="1200" b="1" dirty="0" smtClean="0"/>
+                            <a:t>with other systems.</a:t>
+                          </a:r>
+                          <a:endParaRPr lang="en-US" altLang="en-IE" sz="1200" b="1" dirty="0" smtClean="0"/>
+                        </a:p>
+                      </a:txBody>
+                      <a:tcPr>
+                        <a:lnL w="12700" cap="flat" cmpd="sng" algn="ctr">
+                          <a:solidFill>
+                            <a:schemeClr val="tx1"/>
+                          </a:solidFill>
+                          <a:prstDash val="solid"/>
+                          <a:round/>
+                          <a:headEnd type="none" w="med" len="med"/>
+                          <a:tailEnd type="none" w="med" len="med"/>
+                        </a:lnL>
+                        <a:lnR w="12700" cap="flat" cmpd="sng" algn="ctr">
+                          <a:solidFill>
+                            <a:schemeClr val="tx1"/>
+                          </a:solidFill>
+                          <a:prstDash val="solid"/>
+                          <a:round/>
+                          <a:headEnd type="none" w="med" len="med"/>
+                          <a:tailEnd type="none" w="med" len="med"/>
+                        </a:lnR>
+                        <a:lnT w="12700" cap="flat" cmpd="sng" algn="ctr">
+                          <a:solidFill>
+                            <a:schemeClr val="tx1"/>
+                          </a:solidFill>
+                          <a:prstDash val="solid"/>
+                          <a:round/>
+                          <a:headEnd type="none" w="med" len="med"/>
+                          <a:tailEnd type="none" w="med" len="med"/>
+                        </a:lnT>
+                        <a:lnB w="12700" cap="flat" cmpd="sng" algn="ctr">
+                          <a:solidFill>
+                            <a:schemeClr val="tx1"/>
+                          </a:solidFill>
+                          <a:prstDash val="solid"/>
+                          <a:round/>
+                          <a:headEnd type="none" w="med" len="med"/>
+                          <a:tailEnd type="none" w="med" len="med"/>
+                        </a:lnB>
+                        <a:solidFill>
+                          <a:schemeClr val="bg1">
+                            <a:lumMod val="95000"/>
+                          </a:schemeClr>
+                        </a:solidFill>
+                      </a:tcPr>
+                    </a:tc>
+                    <a:tc hMerge="1">
+                      <a:tcPr/>
+                    </a:tc>
+                    <a:tc hMerge="1">
+                      <a:tcPr>
+                        <a:solidFill>
+                          <a:schemeClr val="bg1">
+                            <a:lumMod val="95000"/>
+                          </a:schemeClr>
+                        </a:solidFill>
+                      </a:tcPr>
+                    </a:tc>
+                    <a:tc hMerge="1">
+                      <a:tcPr/>
+                    </a:tc>
+                  </a:tr>
+                  <a:tr h="1277907">
+                    <a:tc gridSpan="4">
+                      <a:txBody>
+                        <a:bodyPr/>
+                        <a:lstStyle/>
+                        <a:p>
+                          <a:r>
+                            <a:rPr lang="en-IE" sz="1800" b="1" baseline="0" dirty="0" smtClean="0"/>
+                            <a:t>5. Contribution</a:t>
+                          </a:r>
+                          <a:endParaRPr lang="en-IE" sz="1800" b="1" dirty="0" smtClean="0"/>
+                        </a:p>
+                        <a:p>
+                          <a:r>
+                            <a:rPr lang="en-US" altLang="en-IE" sz="1200" b="1" dirty="0" smtClean="0"/>
+                            <a:t>Algorithms implementation that can solve massive matrix problems to help cosmic microwave background source separation problem.</a:t>
+                          </a:r>
+                          <a:endParaRPr lang="en-US" altLang="en-IE" sz="1200" b="1" dirty="0" smtClean="0"/>
+                        </a:p>
+                        <a:p>
+                          <a:r>
+                            <a:rPr lang="en-US" altLang="en-IE" sz="1200" b="1" dirty="0" smtClean="0"/>
+                            <a:t>Resources usage and computation details of the algorithms.</a:t>
+                          </a:r>
+                          <a:endParaRPr lang="en-US" altLang="en-IE" sz="1200" b="1" dirty="0" smtClean="0"/>
+                        </a:p>
+                      </a:txBody>
+                      <a:tcPr>
+                        <a:lnL w="12700" cap="flat" cmpd="sng" algn="ctr">
+                          <a:solidFill>
+                            <a:schemeClr val="tx1"/>
+                          </a:solidFill>
+                          <a:prstDash val="solid"/>
+                          <a:round/>
+                          <a:headEnd type="none" w="med" len="med"/>
+                          <a:tailEnd type="none" w="med" len="med"/>
+                        </a:lnL>
+                        <a:lnR w="12700" cap="flat" cmpd="sng" algn="ctr">
+                          <a:solidFill>
+                            <a:schemeClr val="tx1"/>
+                          </a:solidFill>
+                          <a:prstDash val="solid"/>
+                          <a:round/>
+                          <a:headEnd type="none" w="med" len="med"/>
+                          <a:tailEnd type="none" w="med" len="med"/>
+                        </a:lnR>
+                        <a:lnT w="12700" cap="flat" cmpd="sng" algn="ctr">
+                          <a:solidFill>
+                            <a:schemeClr val="tx1"/>
+                          </a:solidFill>
+                          <a:prstDash val="solid"/>
+                          <a:round/>
+                          <a:headEnd type="none" w="med" len="med"/>
+                          <a:tailEnd type="none" w="med" len="med"/>
+                        </a:lnT>
+                        <a:lnB w="12700" cap="flat" cmpd="sng" algn="ctr">
+                          <a:solidFill>
+                            <a:schemeClr val="tx1"/>
+                          </a:solidFill>
+                          <a:prstDash val="solid"/>
+                          <a:round/>
+                          <a:headEnd type="none" w="med" len="med"/>
+                          <a:tailEnd type="none" w="med" len="med"/>
+                        </a:lnB>
+                        <a:solidFill>
+                          <a:schemeClr val="bg1">
+                            <a:lumMod val="95000"/>
+                          </a:schemeClr>
+                        </a:solidFill>
+                      </a:tcPr>
+                    </a:tc>
+                    <a:tc hMerge="1">
+                      <a:tcPr>
+                        <a:solidFill>
+                          <a:schemeClr val="bg1">
+                            <a:lumMod val="95000"/>
+                          </a:schemeClr>
+                        </a:solidFill>
+                      </a:tcPr>
+                    </a:tc>
+                    <a:tc hMerge="1">
+                      <a:tcPr>
+                        <a:lnL w="12700" cap="flat" cmpd="sng" algn="ctr">
+                          <a:solidFill>
+                            <a:schemeClr val="tx1"/>
+                          </a:solidFill>
+                          <a:prstDash val="solid"/>
+                          <a:round/>
+                          <a:headEnd type="none" w="med" len="med"/>
+                          <a:tailEnd type="none" w="med" len="med"/>
+                        </a:lnL>
+                        <a:lnR w="12700" cap="flat" cmpd="sng" algn="ctr">
+                          <a:solidFill>
+                            <a:schemeClr val="tx1"/>
+                          </a:solidFill>
+                          <a:prstDash val="solid"/>
+                          <a:round/>
+                          <a:headEnd type="none" w="med" len="med"/>
+                          <a:tailEnd type="none" w="med" len="med"/>
+                        </a:lnR>
+                        <a:lnT w="12700" cap="flat" cmpd="sng" algn="ctr">
+                          <a:solidFill>
+                            <a:schemeClr val="tx1"/>
+                          </a:solidFill>
+                          <a:prstDash val="solid"/>
+                          <a:round/>
+                          <a:headEnd type="none" w="med" len="med"/>
+                          <a:tailEnd type="none" w="med" len="med"/>
+                        </a:lnT>
+                        <a:lnB w="12700" cap="flat" cmpd="sng" algn="ctr">
+                          <a:solidFill>
+                            <a:schemeClr val="tx1"/>
+                          </a:solidFill>
+                          <a:prstDash val="solid"/>
+                          <a:round/>
+                          <a:headEnd type="none" w="med" len="med"/>
+                          <a:tailEnd type="none" w="med" len="med"/>
+                        </a:lnB>
+                        <a:solidFill>
+                          <a:schemeClr val="bg1">
+                            <a:lumMod val="95000"/>
+                          </a:schemeClr>
+                        </a:solidFill>
+                      </a:tcPr>
+                    </a:tc>
+                    <a:tc hMerge="1">
+                      <a:tcPr/>
+                    </a:tc>
+                  </a:tr>
+                </a:tbl>
+              </a:graphicData>
+            </a:graphic>
+          </p:graphicFrame>
+        </mc:Fallback>
+      </mc:AlternateContent>
     </p:spTree>
   </p:cSld>
   <p:clrMapOvr>
@@ -3952,408 +5526,17 @@
         <p:cNvGrpSpPr/>
         <p:nvPr/>
       </p:nvGrpSpPr>
-      <p:grpSpPr>
-        <a:xfrm>
-          <a:off x="0" y="0"/>
-          <a:ext cx="0" cy="0"/>
-          <a:chOff x="0" y="0"/>
-          <a:chExt cx="0" cy="0"/>
-        </a:xfrm>
-      </p:grpSpPr>
-      <p:sp>
-        <p:nvSpPr>
-          <p:cNvPr id="2" name="Title 1"/>
-          <p:cNvSpPr>
-            <a:spLocks noGrp="1"/>
-          </p:cNvSpPr>
-          <p:nvPr>
-            <p:ph type="title"/>
-          </p:nvPr>
+      <p:grpSpPr/>
+      <p:sp>
+        <p:nvSpPr>
+          <p:cNvPr id="2" name="Text Box 1"/>
+          <p:cNvSpPr txBox="1"/>
+          <p:nvPr/>
         </p:nvSpPr>
         <p:spPr>
           <a:xfrm>
-            <a:off x="269421" y="365125"/>
-            <a:ext cx="11772900" cy="1325563"/>
-          </a:xfrm>
-        </p:spPr>
-        <p:txBody>
-          <a:bodyPr>
-            <a:normAutofit fontScale="90000"/>
-          </a:bodyPr>
-          <a:lstStyle/>
-          <a:p>
-            <a:r>
-              <a:rPr lang="en-IE" b="1" dirty="0" smtClean="0">
-                <a:solidFill>
-                  <a:srgbClr val="FF0000"/>
-                </a:solidFill>
-              </a:rPr>
-              <a:t>Supporting Text:   </a:t>
-            </a:r>
-            <a:r>
-              <a:rPr lang="en-IE" dirty="0" smtClean="0"/>
-              <a:t>In addition to the Research Canvas include the following 5 items to support your proposal.</a:t>
-            </a:r>
-            <a:endParaRPr lang="en-IE" dirty="0"/>
-          </a:p>
-        </p:txBody>
-      </p:sp>
-      <p:graphicFrame>
-        <p:nvGraphicFramePr>
-          <p:cNvPr id="3" name="Table 2"/>
-          <p:cNvGraphicFramePr>
-            <a:graphicFrameLocks noGrp="1"/>
-          </p:cNvGraphicFramePr>
-          <p:nvPr/>
-        </p:nvGraphicFramePr>
-        <p:xfrm>
-          <a:off x="192411" y="2045634"/>
-          <a:ext cx="11676859" cy="3180308"/>
-        </p:xfrm>
-        <a:graphic>
-          <a:graphicData uri="http://schemas.openxmlformats.org/drawingml/2006/table">
-            <a:tbl>
-              <a:tblPr firstRow="1" bandRow="1">
-                <a:tableStyleId>{5C22544A-7EE6-4342-B048-85BDC9FD1C3A}</a:tableStyleId>
-              </a:tblPr>
-              <a:tblGrid>
-                <a:gridCol w="2595613"/>
-                <a:gridCol w="9081246"/>
-              </a:tblGrid>
-              <a:tr h="374207">
-                <a:tc>
-                  <a:txBody>
-                    <a:bodyPr/>
-                    <a:lstStyle/>
-                    <a:p>
-                      <a:r>
-                        <a:rPr lang="en-IE" dirty="0" smtClean="0"/>
-                        <a:t>Item</a:t>
-                      </a:r>
-                      <a:endParaRPr lang="en-IE" dirty="0"/>
-                    </a:p>
-                  </a:txBody>
-                  <a:tcPr/>
-                </a:tc>
-                <a:tc>
-                  <a:txBody>
-                    <a:bodyPr/>
-                    <a:lstStyle/>
-                    <a:p>
-                      <a:r>
-                        <a:rPr lang="en-IE" dirty="0" smtClean="0"/>
-                        <a:t>Description</a:t>
-                      </a:r>
-                      <a:endParaRPr lang="en-IE" dirty="0"/>
-                    </a:p>
-                  </a:txBody>
-                  <a:tcPr/>
-                </a:tc>
-              </a:tr>
-              <a:tr h="379405">
-                <a:tc>
-                  <a:txBody>
-                    <a:bodyPr/>
-                    <a:lstStyle/>
-                    <a:p>
-                      <a:pPr marL="0" marR="0" indent="0" algn="l" defTabSz="914400" rtl="0" eaLnBrk="1" fontAlgn="auto" latinLnBrk="0" hangingPunct="1">
-                        <a:lnSpc>
-                          <a:spcPct val="100000"/>
-                        </a:lnSpc>
-                        <a:spcBef>
-                          <a:spcPts val="0"/>
-                        </a:spcBef>
-                        <a:spcAft>
-                          <a:spcPts val="0"/>
-                        </a:spcAft>
-                        <a:buClrTx/>
-                        <a:buSzTx/>
-                        <a:buFontTx/>
-                        <a:buNone/>
-                        <a:defRPr/>
-                      </a:pPr>
-                      <a:r>
-                        <a:rPr lang="en-IE" dirty="0" smtClean="0"/>
-                        <a:t>1. Motivation Statement</a:t>
-                      </a:r>
-                      <a:endParaRPr lang="en-IE" dirty="0"/>
-                    </a:p>
-                  </a:txBody>
-                  <a:tcPr/>
-                </a:tc>
-                <a:tc>
-                  <a:txBody>
-                    <a:bodyPr/>
-                    <a:lstStyle/>
-                    <a:p>
-                      <a:pPr marL="0" marR="0" indent="0" algn="l" defTabSz="914400" rtl="0" eaLnBrk="1" fontAlgn="auto" latinLnBrk="0" hangingPunct="1">
-                        <a:lnSpc>
-                          <a:spcPct val="100000"/>
-                        </a:lnSpc>
-                        <a:spcBef>
-                          <a:spcPts val="0"/>
-                        </a:spcBef>
-                        <a:spcAft>
-                          <a:spcPts val="0"/>
-                        </a:spcAft>
-                        <a:buClrTx/>
-                        <a:buSzTx/>
-                        <a:buFontTx/>
-                        <a:buNone/>
-                        <a:defRPr/>
-                      </a:pPr>
-                      <a:r>
-                        <a:rPr lang="en-IE" dirty="0" smtClean="0"/>
-                        <a:t>Text that describes why you are</a:t>
-                      </a:r>
-                      <a:r>
-                        <a:rPr lang="en-IE" baseline="0" dirty="0" smtClean="0"/>
-                        <a:t> motivated to answer your research question. </a:t>
-                      </a:r>
-                      <a:r>
-                        <a:rPr lang="en-IE" dirty="0" smtClean="0"/>
-                        <a:t>(Max 200 words).</a:t>
-                      </a:r>
-                      <a:endParaRPr lang="en-IE" dirty="0" smtClean="0"/>
-                    </a:p>
-                  </a:txBody>
-                  <a:tcPr/>
-                </a:tc>
-              </a:tr>
-              <a:tr h="428048">
-                <a:tc>
-                  <a:txBody>
-                    <a:bodyPr/>
-                    <a:lstStyle/>
-                    <a:p>
-                      <a:pPr marL="0" marR="0" indent="0" algn="l" defTabSz="914400" rtl="0" eaLnBrk="1" fontAlgn="auto" latinLnBrk="0" hangingPunct="1">
-                        <a:lnSpc>
-                          <a:spcPct val="100000"/>
-                        </a:lnSpc>
-                        <a:spcBef>
-                          <a:spcPts val="0"/>
-                        </a:spcBef>
-                        <a:spcAft>
-                          <a:spcPts val="0"/>
-                        </a:spcAft>
-                        <a:buClrTx/>
-                        <a:buSzTx/>
-                        <a:buFontTx/>
-                        <a:buNone/>
-                        <a:defRPr/>
-                      </a:pPr>
-                      <a:r>
-                        <a:rPr lang="en-IE" dirty="0" smtClean="0"/>
-                        <a:t>2. </a:t>
-                      </a:r>
-                      <a:r>
-                        <a:rPr lang="en-IE" dirty="0" err="1" smtClean="0"/>
-                        <a:t>Gannt</a:t>
-                      </a:r>
-                      <a:r>
-                        <a:rPr lang="en-IE" dirty="0" smtClean="0"/>
-                        <a:t> Chart</a:t>
-                      </a:r>
-                      <a:endParaRPr lang="en-IE" dirty="0"/>
-                    </a:p>
-                  </a:txBody>
-                  <a:tcPr/>
-                </a:tc>
-                <a:tc>
-                  <a:txBody>
-                    <a:bodyPr/>
-                    <a:lstStyle/>
-                    <a:p>
-                      <a:pPr marL="0" marR="0" indent="0" algn="l" defTabSz="914400" rtl="0" eaLnBrk="1" fontAlgn="auto" latinLnBrk="0" hangingPunct="1">
-                        <a:lnSpc>
-                          <a:spcPct val="100000"/>
-                        </a:lnSpc>
-                        <a:spcBef>
-                          <a:spcPts val="0"/>
-                        </a:spcBef>
-                        <a:spcAft>
-                          <a:spcPts val="0"/>
-                        </a:spcAft>
-                        <a:buClrTx/>
-                        <a:buSzTx/>
-                        <a:buFontTx/>
-                        <a:buNone/>
-                        <a:defRPr/>
-                      </a:pPr>
-                      <a:r>
-                        <a:rPr lang="en-IE" dirty="0" smtClean="0"/>
-                        <a:t>The </a:t>
-                      </a:r>
-                      <a:r>
-                        <a:rPr lang="en-IE" dirty="0" err="1" smtClean="0"/>
-                        <a:t>gannt</a:t>
-                      </a:r>
-                      <a:r>
-                        <a:rPr lang="en-IE" dirty="0" smtClean="0"/>
-                        <a:t> chart should indicate when you are going to carry out</a:t>
-                      </a:r>
-                      <a:r>
-                        <a:rPr lang="en-IE" baseline="0" dirty="0" smtClean="0"/>
-                        <a:t> the various steps of your research.</a:t>
-                      </a:r>
-                      <a:endParaRPr lang="en-IE" dirty="0" smtClean="0"/>
-                    </a:p>
-                  </a:txBody>
-                  <a:tcPr/>
-                </a:tc>
-              </a:tr>
-              <a:tr h="454504">
-                <a:tc>
-                  <a:txBody>
-                    <a:bodyPr/>
-                    <a:lstStyle/>
-                    <a:p>
-                      <a:r>
-                        <a:rPr lang="en-IE" dirty="0" smtClean="0"/>
-                        <a:t>3. Skills list</a:t>
-                      </a:r>
-                      <a:endParaRPr lang="en-IE" dirty="0"/>
-                    </a:p>
-                  </a:txBody>
-                  <a:tcPr/>
-                </a:tc>
-                <a:tc>
-                  <a:txBody>
-                    <a:bodyPr/>
-                    <a:lstStyle/>
-                    <a:p>
-                      <a:pPr marL="0" marR="0" indent="0" algn="l" defTabSz="914400" rtl="0" eaLnBrk="1" fontAlgn="auto" latinLnBrk="0" hangingPunct="1">
-                        <a:lnSpc>
-                          <a:spcPct val="100000"/>
-                        </a:lnSpc>
-                        <a:spcBef>
-                          <a:spcPts val="0"/>
-                        </a:spcBef>
-                        <a:spcAft>
-                          <a:spcPts val="0"/>
-                        </a:spcAft>
-                        <a:buClrTx/>
-                        <a:buSzTx/>
-                        <a:buFontTx/>
-                        <a:buNone/>
-                        <a:defRPr/>
-                      </a:pPr>
-                      <a:r>
-                        <a:rPr lang="en-IE" dirty="0" smtClean="0"/>
-                        <a:t>List </a:t>
-                      </a:r>
-                      <a:r>
-                        <a:rPr lang="en-IE" b="1" dirty="0" smtClean="0"/>
-                        <a:t>both</a:t>
-                      </a:r>
-                      <a:r>
-                        <a:rPr lang="en-IE" baseline="0" dirty="0" smtClean="0"/>
-                        <a:t> </a:t>
-                      </a:r>
-                      <a:r>
-                        <a:rPr lang="en-IE" dirty="0" smtClean="0"/>
-                        <a:t>the technical and research skills you intend to develop during your research. </a:t>
-                      </a:r>
-                      <a:endParaRPr lang="en-IE" dirty="0" smtClean="0"/>
-                    </a:p>
-                  </a:txBody>
-                  <a:tcPr/>
-                </a:tc>
-              </a:tr>
-              <a:tr h="692032">
-                <a:tc>
-                  <a:txBody>
-                    <a:bodyPr/>
-                    <a:lstStyle/>
-                    <a:p>
-                      <a:r>
-                        <a:rPr lang="en-IE" dirty="0" smtClean="0"/>
-                        <a:t>4. Reference List</a:t>
-                      </a:r>
-                      <a:endParaRPr lang="en-IE" dirty="0"/>
-                    </a:p>
-                  </a:txBody>
-                  <a:tcPr/>
-                </a:tc>
-                <a:tc>
-                  <a:txBody>
-                    <a:bodyPr/>
-                    <a:lstStyle/>
-                    <a:p>
-                      <a:pPr marL="0" marR="0" indent="0" algn="l" defTabSz="914400" rtl="0" eaLnBrk="1" fontAlgn="auto" latinLnBrk="0" hangingPunct="1">
-                        <a:lnSpc>
-                          <a:spcPct val="100000"/>
-                        </a:lnSpc>
-                        <a:spcBef>
-                          <a:spcPts val="0"/>
-                        </a:spcBef>
-                        <a:spcAft>
-                          <a:spcPts val="0"/>
-                        </a:spcAft>
-                        <a:buClrTx/>
-                        <a:buSzTx/>
-                        <a:buFontTx/>
-                        <a:buNone/>
-                        <a:defRPr/>
-                      </a:pPr>
-                      <a:r>
-                        <a:rPr lang="en-IE" dirty="0" smtClean="0"/>
-                        <a:t>10 selected References. Together, these 10 references should support your motivation, approach/method and evaluation.</a:t>
-                      </a:r>
-                      <a:r>
-                        <a:rPr lang="en-IE" baseline="0" dirty="0" smtClean="0"/>
-                        <a:t> Use your preferred referencing style.</a:t>
-                      </a:r>
-                      <a:endParaRPr lang="en-IE" dirty="0" smtClean="0"/>
-                    </a:p>
-                  </a:txBody>
-                  <a:tcPr/>
-                </a:tc>
-              </a:tr>
-              <a:tr h="620591">
-                <a:tc>
-                  <a:txBody>
-                    <a:bodyPr/>
-                    <a:lstStyle/>
-                    <a:p>
-                      <a:r>
-                        <a:rPr lang="en-IE" dirty="0" smtClean="0"/>
-                        <a:t>5. Ethics statement: </a:t>
-                      </a:r>
-                      <a:endParaRPr lang="en-IE" dirty="0"/>
-                    </a:p>
-                  </a:txBody>
-                  <a:tcPr/>
-                </a:tc>
-                <a:tc>
-                  <a:txBody>
-                    <a:bodyPr/>
-                    <a:lstStyle/>
-                    <a:p>
-                      <a:r>
-                        <a:rPr lang="en-IE" dirty="0" smtClean="0"/>
-                        <a:t>Indicate by saying yes or no if you need to make an ethics application. Provide a reason(s) for your decision.</a:t>
-                      </a:r>
-                      <a:endParaRPr lang="en-IE" dirty="0"/>
-                    </a:p>
-                  </a:txBody>
-                  <a:tcPr/>
-                </a:tc>
-              </a:tr>
-            </a:tbl>
-          </a:graphicData>
-        </a:graphic>
-      </p:graphicFrame>
-      <p:sp>
-        <p:nvSpPr>
-          <p:cNvPr id="9" name="TextBox 8"/>
-          <p:cNvSpPr txBox="1"/>
-          <p:nvPr/>
-        </p:nvSpPr>
-        <p:spPr>
-          <a:xfrm>
-            <a:off x="484094" y="5997388"/>
-            <a:ext cx="9897035" cy="369332"/>
+            <a:off x="802640" y="824865"/>
+            <a:ext cx="3230880" cy="460375"/>
           </a:xfrm>
           <a:prstGeom prst="rect">
             <a:avLst/>
@@ -4361,16 +5544,70 @@
           <a:noFill/>
         </p:spPr>
         <p:txBody>
+          <a:bodyPr wrap="none" rtlCol="0">
+            <a:spAutoFit/>
+          </a:bodyPr>
+          <a:p>
+            <a:pPr algn="l"/>
+            <a:r>
+              <a:rPr lang="en-US" sz="2400" b="1"/>
+              <a:t>Motivation statement</a:t>
+            </a:r>
+            <a:endParaRPr lang="en-US" sz="2400" b="1"/>
+          </a:p>
+        </p:txBody>
+      </p:sp>
+      <p:sp>
+        <p:nvSpPr>
+          <p:cNvPr id="3" name="Text Box 2"/>
+          <p:cNvSpPr txBox="1"/>
+          <p:nvPr/>
+        </p:nvSpPr>
+        <p:spPr>
+          <a:xfrm>
+            <a:off x="802640" y="1859915"/>
+            <a:ext cx="10586085" cy="3415030"/>
+          </a:xfrm>
+          <a:prstGeom prst="rect">
+            <a:avLst/>
+          </a:prstGeom>
+          <a:noFill/>
+        </p:spPr>
+        <p:txBody>
           <a:bodyPr wrap="square" rtlCol="0">
             <a:spAutoFit/>
           </a:bodyPr>
-          <a:lstStyle/>
-          <a:p>
-            <a:r>
-              <a:rPr lang="en-IE" dirty="0" smtClean="0"/>
-              <a:t>Include your Student Name, Student ID, Stream Name and Supervisor Name on each item. </a:t>
-            </a:r>
-            <a:endParaRPr lang="en-IE" dirty="0"/>
+          <a:p>
+            <a:pPr algn="l"/>
+            <a:r>
+              <a:rPr lang="en-US"/>
+              <a:t>Cosmic Microwave Background (CMB) can provide information about the formation of the early universe, and we use source separation to separate CMB from other diffuse sources such as synchrotron radiation, galactic dust emission, and free-free emission.  Large matrix operation is very common in CMB source separation due to the size of WMAP(3×106 pixels at 5 channels) and Planck data(12×106 pixels at 9 channels). </a:t>
+            </a:r>
+            <a:endParaRPr lang="en-US"/>
+          </a:p>
+          <a:p>
+            <a:pPr algn="l"/>
+            <a:endParaRPr lang="en-US"/>
+          </a:p>
+          <a:p>
+            <a:pPr algn="l"/>
+            <a:r>
+              <a:rPr lang="en-US"/>
+              <a:t>The research in this paper will implement an efficient way to perform large matrix operations, which will require less memory and computing time.</a:t>
+            </a:r>
+            <a:endParaRPr lang="en-US"/>
+          </a:p>
+          <a:p>
+            <a:pPr algn="l"/>
+            <a:endParaRPr lang="en-US"/>
+          </a:p>
+          <a:p>
+            <a:pPr algn="l"/>
+            <a:r>
+              <a:rPr lang="en-US"/>
+              <a:t>With the rise and development of big data and machine learning, large size matrix operations will also become increasingly common. And the research in the paper may provide some insights to address these problems. </a:t>
+            </a:r>
+            <a:endParaRPr lang="en-US"/>
           </a:p>
         </p:txBody>
       </p:sp>
@@ -4379,13 +5616,561 @@
   <p:clrMapOvr>
     <a:masterClrMapping/>
   </p:clrMapOvr>
-  <p:timing>
-    <p:tnLst>
-      <p:par>
-        <p:cTn id="1" dur="indefinite" restart="never" nodeType="tmRoot"/>
-      </p:par>
-    </p:tnLst>
-  </p:timing>
+</p:sld>
+</file>
+
+<file path=ppt/slides/slide3.xml><?xml version="1.0" encoding="utf-8"?>
+<p:sld xmlns:a="http://schemas.openxmlformats.org/drawingml/2006/main" xmlns:r="http://schemas.openxmlformats.org/officeDocument/2006/relationships" xmlns:p="http://schemas.openxmlformats.org/presentationml/2006/main">
+  <p:cSld>
+    <p:spTree>
+      <p:nvGrpSpPr>
+        <p:cNvPr id="1" name=""/>
+        <p:cNvGrpSpPr/>
+        <p:nvPr/>
+      </p:nvGrpSpPr>
+      <p:grpSpPr/>
+      <p:pic>
+        <p:nvPicPr>
+          <p:cNvPr id="5" name="Picture 4"/>
+          <p:cNvPicPr>
+            <a:picLocks noChangeAspect="1"/>
+          </p:cNvPicPr>
+          <p:nvPr/>
+        </p:nvPicPr>
+        <p:blipFill>
+          <a:blip r:embed="rId1"/>
+          <a:stretch>
+            <a:fillRect/>
+          </a:stretch>
+        </p:blipFill>
+        <p:spPr>
+          <a:xfrm>
+            <a:off x="-16510" y="6350"/>
+            <a:ext cx="12202795" cy="6850380"/>
+          </a:xfrm>
+          <a:prstGeom prst="rect">
+            <a:avLst/>
+          </a:prstGeom>
+        </p:spPr>
+      </p:pic>
+      <p:sp>
+        <p:nvSpPr>
+          <p:cNvPr id="2" name="Text Box 1"/>
+          <p:cNvSpPr txBox="1"/>
+          <p:nvPr/>
+        </p:nvSpPr>
+        <p:spPr>
+          <a:xfrm>
+            <a:off x="44450" y="71120"/>
+            <a:ext cx="1943735" cy="460375"/>
+          </a:xfrm>
+          <a:prstGeom prst="rect">
+            <a:avLst/>
+          </a:prstGeom>
+          <a:noFill/>
+        </p:spPr>
+        <p:txBody>
+          <a:bodyPr wrap="none" rtlCol="0">
+            <a:spAutoFit/>
+          </a:bodyPr>
+          <a:p>
+            <a:pPr algn="l"/>
+            <a:r>
+              <a:rPr lang="en-US" sz="2400" b="1"/>
+              <a:t>Gannt Chart</a:t>
+            </a:r>
+            <a:endParaRPr lang="en-US" sz="2400" b="1"/>
+          </a:p>
+        </p:txBody>
+      </p:sp>
+    </p:spTree>
+  </p:cSld>
+  <p:clrMapOvr>
+    <a:masterClrMapping/>
+  </p:clrMapOvr>
+</p:sld>
+</file>
+
+<file path=ppt/slides/slide4.xml><?xml version="1.0" encoding="utf-8"?>
+<p:sld xmlns:a="http://schemas.openxmlformats.org/drawingml/2006/main" xmlns:r="http://schemas.openxmlformats.org/officeDocument/2006/relationships" xmlns:p="http://schemas.openxmlformats.org/presentationml/2006/main">
+  <p:cSld>
+    <p:spTree>
+      <p:nvGrpSpPr>
+        <p:cNvPr id="1" name=""/>
+        <p:cNvGrpSpPr/>
+        <p:nvPr/>
+      </p:nvGrpSpPr>
+      <p:grpSpPr/>
+      <p:sp>
+        <p:nvSpPr>
+          <p:cNvPr id="2" name="Text Box 1"/>
+          <p:cNvSpPr txBox="1"/>
+          <p:nvPr/>
+        </p:nvSpPr>
+        <p:spPr>
+          <a:xfrm>
+            <a:off x="802640" y="824865"/>
+            <a:ext cx="1604645" cy="460375"/>
+          </a:xfrm>
+          <a:prstGeom prst="rect">
+            <a:avLst/>
+          </a:prstGeom>
+          <a:noFill/>
+        </p:spPr>
+        <p:txBody>
+          <a:bodyPr wrap="none" rtlCol="0">
+            <a:spAutoFit/>
+          </a:bodyPr>
+          <a:p>
+            <a:pPr algn="l"/>
+            <a:r>
+              <a:rPr lang="en-US" sz="2400" b="1"/>
+              <a:t>Skills List</a:t>
+            </a:r>
+            <a:endParaRPr lang="en-US" sz="2400" b="1"/>
+          </a:p>
+        </p:txBody>
+      </p:sp>
+      <p:sp>
+        <p:nvSpPr>
+          <p:cNvPr id="3" name="Text Box 2"/>
+          <p:cNvSpPr txBox="1"/>
+          <p:nvPr/>
+        </p:nvSpPr>
+        <p:spPr>
+          <a:xfrm>
+            <a:off x="802640" y="1859915"/>
+            <a:ext cx="10586085" cy="3692525"/>
+          </a:xfrm>
+          <a:prstGeom prst="rect">
+            <a:avLst/>
+          </a:prstGeom>
+          <a:noFill/>
+        </p:spPr>
+        <p:txBody>
+          <a:bodyPr wrap="square" rtlCol="0">
+            <a:spAutoFit/>
+          </a:bodyPr>
+          <a:p>
+            <a:pPr algn="l"/>
+            <a:r>
+              <a:rPr lang="" altLang="en-US"/>
+              <a:t>T</a:t>
+            </a:r>
+            <a:r>
+              <a:rPr lang="en-US"/>
+              <a:t>echnical  Skills</a:t>
+            </a:r>
+            <a:r>
+              <a:rPr lang="" altLang="en-US"/>
+              <a:t>:</a:t>
+            </a:r>
+            <a:endParaRPr lang="en-US"/>
+          </a:p>
+          <a:p>
+            <a:pPr marL="285750" indent="-285750" algn="l">
+              <a:buFont typeface="Arial" panose="020B0604020202020204" pitchFamily="34" charset="0"/>
+              <a:buChar char="•"/>
+            </a:pPr>
+            <a:r>
+              <a:rPr lang="en-US"/>
+              <a:t>Efficient matrix-vector product.</a:t>
+            </a:r>
+            <a:endParaRPr lang="en-US"/>
+          </a:p>
+          <a:p>
+            <a:pPr marL="285750" indent="-285750" algn="l">
+              <a:buFont typeface="Arial" panose="020B0604020202020204" pitchFamily="34" charset="0"/>
+              <a:buChar char="•"/>
+            </a:pPr>
+            <a:r>
+              <a:rPr lang="en-US"/>
+              <a:t>Large matrix computation.</a:t>
+            </a:r>
+            <a:endParaRPr lang="en-US"/>
+          </a:p>
+          <a:p>
+            <a:pPr marL="285750" indent="-285750" algn="l">
+              <a:buFont typeface="Arial" panose="020B0604020202020204" pitchFamily="34" charset="0"/>
+              <a:buChar char="•"/>
+            </a:pPr>
+            <a:r>
+              <a:rPr lang="en-US"/>
+              <a:t>Krylov subspace.</a:t>
+            </a:r>
+            <a:endParaRPr lang="en-US"/>
+          </a:p>
+          <a:p>
+            <a:pPr marL="285750" indent="-285750" algn="l">
+              <a:buFont typeface="Arial" panose="020B0604020202020204" pitchFamily="34" charset="0"/>
+              <a:buChar char="•"/>
+            </a:pPr>
+            <a:r>
+              <a:rPr lang="en-US"/>
+              <a:t>Iterative Methods for Large Linear Systems.</a:t>
+            </a:r>
+            <a:endParaRPr lang="en-US"/>
+          </a:p>
+          <a:p>
+            <a:pPr marL="285750" indent="-285750" algn="l">
+              <a:buFont typeface="Arial" panose="020B0604020202020204" pitchFamily="34" charset="0"/>
+              <a:buChar char="•"/>
+            </a:pPr>
+            <a:r>
+              <a:rPr lang="en-US"/>
+              <a:t>Kronecker product and its applications.</a:t>
+            </a:r>
+            <a:endParaRPr lang="en-US"/>
+          </a:p>
+          <a:p>
+            <a:pPr algn="l"/>
+            <a:r>
+              <a:rPr lang="en-US"/>
+              <a:t>Research Skills</a:t>
+            </a:r>
+            <a:r>
+              <a:rPr lang="" altLang="en-US"/>
+              <a:t>:</a:t>
+            </a:r>
+            <a:endParaRPr lang="en-US"/>
+          </a:p>
+          <a:p>
+            <a:pPr marL="285750" indent="-285750" algn="l">
+              <a:buFont typeface="Arial" panose="020B0604020202020204" pitchFamily="34" charset="0"/>
+              <a:buChar char="•"/>
+            </a:pPr>
+            <a:r>
+              <a:rPr lang="en-US"/>
+              <a:t>How to understand a research question. </a:t>
+            </a:r>
+            <a:endParaRPr lang="en-US"/>
+          </a:p>
+          <a:p>
+            <a:pPr marL="285750" indent="-285750" algn="l">
+              <a:buFont typeface="Arial" panose="020B0604020202020204" pitchFamily="34" charset="0"/>
+              <a:buChar char="•"/>
+            </a:pPr>
+            <a:r>
+              <a:rPr lang="en-US"/>
+              <a:t>How to identify key problems in research. </a:t>
+            </a:r>
+            <a:endParaRPr lang="en-US"/>
+          </a:p>
+          <a:p>
+            <a:pPr marL="285750" indent="-285750" algn="l">
+              <a:buFont typeface="Arial" panose="020B0604020202020204" pitchFamily="34" charset="0"/>
+              <a:buChar char="•"/>
+            </a:pPr>
+            <a:r>
+              <a:rPr lang="en-US"/>
+              <a:t>How to solve a research question. </a:t>
+            </a:r>
+            <a:endParaRPr lang="en-US"/>
+          </a:p>
+          <a:p>
+            <a:pPr marL="285750" indent="-285750" algn="l">
+              <a:buFont typeface="Arial" panose="020B0604020202020204" pitchFamily="34" charset="0"/>
+              <a:buChar char="•"/>
+            </a:pPr>
+            <a:r>
+              <a:rPr lang="en-US"/>
+              <a:t>How to write a good dissertation. </a:t>
+            </a:r>
+            <a:endParaRPr lang="en-US"/>
+          </a:p>
+          <a:p>
+            <a:pPr marL="285750" indent="-285750" algn="l">
+              <a:buFont typeface="Arial" panose="020B0604020202020204" pitchFamily="34" charset="0"/>
+              <a:buChar char="•"/>
+            </a:pPr>
+            <a:r>
+              <a:rPr lang="en-US"/>
+              <a:t>How to find useful papers and books for research.</a:t>
+            </a:r>
+            <a:endParaRPr lang="en-US"/>
+          </a:p>
+          <a:p>
+            <a:pPr marL="285750" indent="-285750" algn="l">
+              <a:buFont typeface="Arial" panose="020B0604020202020204" pitchFamily="34" charset="0"/>
+              <a:buChar char="•"/>
+            </a:pPr>
+            <a:r>
+              <a:rPr lang="en-US"/>
+              <a:t>How to manage References and Citations.</a:t>
+            </a:r>
+            <a:endParaRPr lang="en-US"/>
+          </a:p>
+        </p:txBody>
+      </p:sp>
+    </p:spTree>
+  </p:cSld>
+  <p:clrMapOvr>
+    <a:masterClrMapping/>
+  </p:clrMapOvr>
+</p:sld>
+</file>
+
+<file path=ppt/slides/slide5.xml><?xml version="1.0" encoding="utf-8"?>
+<p:sld xmlns:a="http://schemas.openxmlformats.org/drawingml/2006/main" xmlns:r="http://schemas.openxmlformats.org/officeDocument/2006/relationships" xmlns:p="http://schemas.openxmlformats.org/presentationml/2006/main">
+  <p:cSld>
+    <p:spTree>
+      <p:nvGrpSpPr>
+        <p:cNvPr id="1" name=""/>
+        <p:cNvGrpSpPr/>
+        <p:nvPr/>
+      </p:nvGrpSpPr>
+      <p:grpSpPr/>
+      <p:sp>
+        <p:nvSpPr>
+          <p:cNvPr id="2" name="Text Box 1"/>
+          <p:cNvSpPr txBox="1"/>
+          <p:nvPr/>
+        </p:nvSpPr>
+        <p:spPr>
+          <a:xfrm>
+            <a:off x="803275" y="299085"/>
+            <a:ext cx="2283460" cy="460375"/>
+          </a:xfrm>
+          <a:prstGeom prst="rect">
+            <a:avLst/>
+          </a:prstGeom>
+          <a:noFill/>
+        </p:spPr>
+        <p:txBody>
+          <a:bodyPr wrap="none" rtlCol="0">
+            <a:spAutoFit/>
+          </a:bodyPr>
+          <a:p>
+            <a:pPr algn="l"/>
+            <a:r>
+              <a:rPr lang="en-US" sz="2400" b="1"/>
+              <a:t>Reference List</a:t>
+            </a:r>
+            <a:endParaRPr lang="en-US" sz="2400" b="1"/>
+          </a:p>
+        </p:txBody>
+      </p:sp>
+      <p:sp>
+        <p:nvSpPr>
+          <p:cNvPr id="3" name="Text Box 2"/>
+          <p:cNvSpPr txBox="1"/>
+          <p:nvPr/>
+        </p:nvSpPr>
+        <p:spPr>
+          <a:xfrm>
+            <a:off x="802640" y="1153795"/>
+            <a:ext cx="10586085" cy="4615815"/>
+          </a:xfrm>
+          <a:prstGeom prst="rect">
+            <a:avLst/>
+          </a:prstGeom>
+          <a:noFill/>
+        </p:spPr>
+        <p:txBody>
+          <a:bodyPr wrap="square" rtlCol="0">
+            <a:spAutoFit/>
+          </a:bodyPr>
+          <a:p>
+            <a:pPr algn="l"/>
+            <a:r>
+              <a:rPr lang="en-US" sz="1400"/>
+              <a:t>BAU, D. 1997. Numerical linear algebra, Philadelphia, Society for Industrial and Applied Mathematics.</a:t>
+            </a:r>
+            <a:endParaRPr lang="en-US" sz="1400"/>
+          </a:p>
+          <a:p>
+            <a:pPr algn="l"/>
+            <a:endParaRPr lang="en-US" sz="1400"/>
+          </a:p>
+          <a:p>
+            <a:pPr algn="l"/>
+            <a:r>
+              <a:rPr lang="en-US" sz="1400"/>
+              <a:t>CALABRETTA, M. R. &amp; ROUKEMA, B. F. 2007. Mapping on the HEALPix grid. 381, 865-872.</a:t>
+            </a:r>
+            <a:endParaRPr lang="en-US" sz="1400"/>
+          </a:p>
+          <a:p>
+            <a:pPr algn="l"/>
+            <a:endParaRPr lang="en-US" sz="1400"/>
+          </a:p>
+          <a:p>
+            <a:pPr algn="l"/>
+            <a:r>
+              <a:rPr lang="en-US" sz="1400"/>
+              <a:t>COOLS, S., CORNELIS, J. &amp; VANROOSE, W. 2019. Numerically Stable Recurrence Relations for the Communication Hiding Pipelined Conjugate Gradient Method. 30, 2507-2522.</a:t>
+            </a:r>
+            <a:endParaRPr lang="en-US" sz="1400"/>
+          </a:p>
+          <a:p>
+            <a:pPr algn="l"/>
+            <a:endParaRPr lang="en-US" sz="1400"/>
+          </a:p>
+          <a:p>
+            <a:pPr algn="l"/>
+            <a:r>
+              <a:rPr lang="en-US" sz="1400"/>
+              <a:t>DURRER, R. 2008. The cosmic microwave background / Ruth Durrer.</a:t>
+            </a:r>
+            <a:endParaRPr lang="en-US" sz="1400"/>
+          </a:p>
+          <a:p>
+            <a:pPr algn="l"/>
+            <a:endParaRPr lang="en-US" sz="1400"/>
+          </a:p>
+          <a:p>
+            <a:pPr algn="l"/>
+            <a:r>
+              <a:rPr lang="en-US" sz="1400"/>
+              <a:t>LIESEN, J. 2013. Krylov subspace methods : principles and analysis / Jörg Liesen, Zden?k Strako?</a:t>
+            </a:r>
+            <a:endParaRPr lang="en-US" sz="1400"/>
+          </a:p>
+          <a:p>
+            <a:pPr algn="l"/>
+            <a:endParaRPr lang="en-US" sz="1400"/>
+          </a:p>
+          <a:p>
+            <a:pPr algn="l"/>
+            <a:r>
+              <a:rPr lang="en-US" sz="1400"/>
+              <a:t>MOHAMED, A. R., NAGLAA, M. E. S. &amp; BASEM, I. S. 2019. Iterative algorithm for the reflexive solutions of the generalized Sylvester matrix equation. 27, 1-16.</a:t>
+            </a:r>
+            <a:endParaRPr lang="en-US" sz="1400"/>
+          </a:p>
+          <a:p>
+            <a:pPr algn="l"/>
+            <a:endParaRPr lang="en-US" sz="1400"/>
+          </a:p>
+          <a:p>
+            <a:pPr algn="l"/>
+            <a:r>
+              <a:rPr lang="en-US" sz="1400"/>
+              <a:t>NASEL?SKI, P. D. 2006. The physics of the cosmic microwave background / Pavel D. Naselsky, Dmitry I. Novikov, Igor D. Novikov.</a:t>
+            </a:r>
+            <a:endParaRPr lang="en-US" sz="1400"/>
+          </a:p>
+          <a:p>
+            <a:pPr algn="l"/>
+            <a:endParaRPr lang="en-US" sz="1400"/>
+          </a:p>
+          <a:p>
+            <a:pPr algn="l"/>
+            <a:r>
+              <a:rPr lang="en-US" sz="1400"/>
+              <a:t>SAAD, Y. 1996. Iterative methods for sparse linear systems / Yousef Saad.</a:t>
+            </a:r>
+            <a:endParaRPr lang="en-US" sz="1400"/>
+          </a:p>
+          <a:p>
+            <a:pPr algn="l"/>
+            <a:endParaRPr lang="en-US" sz="1400"/>
+          </a:p>
+          <a:p>
+            <a:pPr algn="l"/>
+            <a:r>
+              <a:rPr lang="en-US" sz="1400"/>
+              <a:t>SIMONCINI, V. 2016. Computational Methods for Linear Matrix Equations. 58, 377-441.</a:t>
+            </a:r>
+            <a:endParaRPr lang="en-US" sz="1400"/>
+          </a:p>
+          <a:p>
+            <a:pPr algn="l"/>
+            <a:endParaRPr lang="en-US" sz="1400"/>
+          </a:p>
+          <a:p>
+            <a:pPr algn="l"/>
+            <a:r>
+              <a:rPr lang="en-US" sz="1400"/>
+              <a:t>VORST, H. A. V. D. 2009. Iterative Krylov methods for large linear systems, Cambridge, Cambridge University Press.</a:t>
+            </a:r>
+            <a:endParaRPr lang="en-US" sz="1400"/>
+          </a:p>
+        </p:txBody>
+      </p:sp>
+    </p:spTree>
+  </p:cSld>
+  <p:clrMapOvr>
+    <a:masterClrMapping/>
+  </p:clrMapOvr>
+</p:sld>
+</file>
+
+<file path=ppt/slides/slide6.xml><?xml version="1.0" encoding="utf-8"?>
+<p:sld xmlns:a="http://schemas.openxmlformats.org/drawingml/2006/main" xmlns:r="http://schemas.openxmlformats.org/officeDocument/2006/relationships" xmlns:p="http://schemas.openxmlformats.org/presentationml/2006/main">
+  <p:cSld>
+    <p:spTree>
+      <p:nvGrpSpPr>
+        <p:cNvPr id="1" name=""/>
+        <p:cNvGrpSpPr/>
+        <p:nvPr/>
+      </p:nvGrpSpPr>
+      <p:grpSpPr/>
+      <p:sp>
+        <p:nvSpPr>
+          <p:cNvPr id="2" name="Text Box 1"/>
+          <p:cNvSpPr txBox="1"/>
+          <p:nvPr/>
+        </p:nvSpPr>
+        <p:spPr>
+          <a:xfrm>
+            <a:off x="802640" y="824865"/>
+            <a:ext cx="2621915" cy="460375"/>
+          </a:xfrm>
+          <a:prstGeom prst="rect">
+            <a:avLst/>
+          </a:prstGeom>
+          <a:noFill/>
+        </p:spPr>
+        <p:txBody>
+          <a:bodyPr wrap="none" rtlCol="0">
+            <a:spAutoFit/>
+          </a:bodyPr>
+          <a:p>
+            <a:pPr algn="l"/>
+            <a:r>
+              <a:rPr lang="en-US" sz="2400" b="1"/>
+              <a:t>Ethics statement</a:t>
+            </a:r>
+            <a:endParaRPr lang="en-US" sz="2400" b="1"/>
+          </a:p>
+        </p:txBody>
+      </p:sp>
+      <p:sp>
+        <p:nvSpPr>
+          <p:cNvPr id="3" name="Text Box 2"/>
+          <p:cNvSpPr txBox="1"/>
+          <p:nvPr/>
+        </p:nvSpPr>
+        <p:spPr>
+          <a:xfrm>
+            <a:off x="803275" y="1910080"/>
+            <a:ext cx="10586085" cy="368300"/>
+          </a:xfrm>
+          <a:prstGeom prst="rect">
+            <a:avLst/>
+          </a:prstGeom>
+          <a:noFill/>
+        </p:spPr>
+        <p:txBody>
+          <a:bodyPr wrap="square" rtlCol="0">
+            <a:spAutoFit/>
+          </a:bodyPr>
+          <a:p>
+            <a:pPr algn="l"/>
+            <a:r>
+              <a:rPr lang="en-US"/>
+              <a:t>No, I don’t need to ethics approval. The research problem in this dissertation is a math problem.</a:t>
+            </a:r>
+            <a:endParaRPr lang="en-US"/>
+          </a:p>
+        </p:txBody>
+      </p:sp>
+    </p:spTree>
+  </p:cSld>
+  <p:clrMapOvr>
+    <a:masterClrMapping/>
+  </p:clrMapOvr>
 </p:sld>
 </file>
 
@@ -4905,4 +6690,263 @@
     </a:ext>
   </a:extLst>
 </a:theme>
+</file>
+
+<file path=ppt/theme/theme3.xml><?xml version="1.0" encoding="utf-8"?>
+<a:theme xmlns:a="http://schemas.openxmlformats.org/drawingml/2006/main" name="Office Theme">
+  <a:themeElements>
+    <a:clrScheme name="Office">
+      <a:dk1>
+        <a:sysClr val="windowText" lastClr="000000"/>
+      </a:dk1>
+      <a:lt1>
+        <a:sysClr val="window" lastClr="FFFFFF"/>
+      </a:lt1>
+      <a:dk2>
+        <a:srgbClr val="44546A"/>
+      </a:dk2>
+      <a:lt2>
+        <a:srgbClr val="E7E6E6"/>
+      </a:lt2>
+      <a:accent1>
+        <a:srgbClr val="5B9BD5"/>
+      </a:accent1>
+      <a:accent2>
+        <a:srgbClr val="ED7D31"/>
+      </a:accent2>
+      <a:accent3>
+        <a:srgbClr val="A5A5A5"/>
+      </a:accent3>
+      <a:accent4>
+        <a:srgbClr val="FFC000"/>
+      </a:accent4>
+      <a:accent5>
+        <a:srgbClr val="4472C4"/>
+      </a:accent5>
+      <a:accent6>
+        <a:srgbClr val="70AD47"/>
+      </a:accent6>
+      <a:hlink>
+        <a:srgbClr val="0563C1"/>
+      </a:hlink>
+      <a:folHlink>
+        <a:srgbClr val="954F72"/>
+      </a:folHlink>
+    </a:clrScheme>
+    <a:fontScheme name="Office">
+      <a:majorFont>
+        <a:latin typeface="Calibri Light"/>
+        <a:ea typeface=""/>
+        <a:cs typeface=""/>
+        <a:font script="Jpan" typeface="ＭＳ Ｐゴシック"/>
+        <a:font script="Hang" typeface="맑은 고딕"/>
+        <a:font script="Hans" typeface="宋体"/>
+        <a:font script="Hant" typeface="新細明體"/>
+        <a:font script="Arab" typeface="Times New Roman"/>
+        <a:font script="Hebr" typeface="Times New Roman"/>
+        <a:font script="Thai" typeface="Angsana New"/>
+        <a:font script="Ethi" typeface="Nyala"/>
+        <a:font script="Beng" typeface="Vrinda"/>
+        <a:font script="Gujr" typeface="Shruti"/>
+        <a:font script="Khmr" typeface="MoolBoran"/>
+        <a:font script="Knda" typeface="Tunga"/>
+        <a:font script="Guru" typeface="Raavi"/>
+        <a:font script="Cans" typeface="Euphemia"/>
+        <a:font script="Cher" typeface="Plantagenet Cherokee"/>
+        <a:font script="Yiii" typeface="Microsoft Yi Baiti"/>
+        <a:font script="Tibt" typeface="Microsoft Himalaya"/>
+        <a:font script="Thaa" typeface="MV Boli"/>
+        <a:font script="Deva" typeface="Mangal"/>
+        <a:font script="Telu" typeface="Gautami"/>
+        <a:font script="Taml" typeface="Latha"/>
+        <a:font script="Syrc" typeface="Estrangelo Edessa"/>
+        <a:font script="Orya" typeface="Kalinga"/>
+        <a:font script="Mlym" typeface="Kartika"/>
+        <a:font script="Laoo" typeface="DokChampa"/>
+        <a:font script="Sinh" typeface="Iskoola Pota"/>
+        <a:font script="Mong" typeface="Mongolian Baiti"/>
+        <a:font script="Viet" typeface="Times New Roman"/>
+        <a:font script="Uigh" typeface="Microsoft Uighur"/>
+        <a:font script="Geor" typeface="Sylfaen"/>
+      </a:majorFont>
+      <a:minorFont>
+        <a:latin typeface="Calibri"/>
+        <a:ea typeface=""/>
+        <a:cs typeface=""/>
+        <a:font script="Jpan" typeface="ＭＳ Ｐゴシック"/>
+        <a:font script="Hang" typeface="맑은 고딕"/>
+        <a:font script="Hans" typeface="宋体"/>
+        <a:font script="Hant" typeface="新細明體"/>
+        <a:font script="Arab" typeface="Arial"/>
+        <a:font script="Hebr" typeface="Arial"/>
+        <a:font script="Thai" typeface="Cordia New"/>
+        <a:font script="Ethi" typeface="Nyala"/>
+        <a:font script="Beng" typeface="Vrinda"/>
+        <a:font script="Gujr" typeface="Shruti"/>
+        <a:font script="Khmr" typeface="DaunPenh"/>
+        <a:font script="Knda" typeface="Tunga"/>
+        <a:font script="Guru" typeface="Raavi"/>
+        <a:font script="Cans" typeface="Euphemia"/>
+        <a:font script="Cher" typeface="Plantagenet Cherokee"/>
+        <a:font script="Yiii" typeface="Microsoft Yi Baiti"/>
+        <a:font script="Tibt" typeface="Microsoft Himalaya"/>
+        <a:font script="Thaa" typeface="MV Boli"/>
+        <a:font script="Deva" typeface="Mangal"/>
+        <a:font script="Telu" typeface="Gautami"/>
+        <a:font script="Taml" typeface="Latha"/>
+        <a:font script="Syrc" typeface="Estrangelo Edessa"/>
+        <a:font script="Orya" typeface="Kalinga"/>
+        <a:font script="Mlym" typeface="Kartika"/>
+        <a:font script="Laoo" typeface="DokChampa"/>
+        <a:font script="Sinh" typeface="Iskoola Pota"/>
+        <a:font script="Mong" typeface="Mongolian Baiti"/>
+        <a:font script="Viet" typeface="Arial"/>
+        <a:font script="Uigh" typeface="Microsoft Uighur"/>
+        <a:font script="Geor" typeface="Sylfaen"/>
+      </a:minorFont>
+    </a:fontScheme>
+    <a:fmtScheme name="Office">
+      <a:fillStyleLst>
+        <a:solidFill>
+          <a:schemeClr val="phClr"/>
+        </a:solidFill>
+        <a:gradFill rotWithShape="1">
+          <a:gsLst>
+            <a:gs pos="0">
+              <a:schemeClr val="phClr">
+                <a:lumMod val="110000"/>
+                <a:satMod val="105000"/>
+                <a:tint val="67000"/>
+              </a:schemeClr>
+            </a:gs>
+            <a:gs pos="50000">
+              <a:schemeClr val="phClr">
+                <a:lumMod val="105000"/>
+                <a:satMod val="103000"/>
+                <a:tint val="73000"/>
+              </a:schemeClr>
+            </a:gs>
+            <a:gs pos="100000">
+              <a:schemeClr val="phClr">
+                <a:lumMod val="105000"/>
+                <a:satMod val="109000"/>
+                <a:tint val="81000"/>
+              </a:schemeClr>
+            </a:gs>
+          </a:gsLst>
+          <a:lin ang="5400000" scaled="0"/>
+        </a:gradFill>
+        <a:gradFill rotWithShape="1">
+          <a:gsLst>
+            <a:gs pos="0">
+              <a:schemeClr val="phClr">
+                <a:satMod val="103000"/>
+                <a:lumMod val="102000"/>
+                <a:tint val="94000"/>
+              </a:schemeClr>
+            </a:gs>
+            <a:gs pos="50000">
+              <a:schemeClr val="phClr">
+                <a:satMod val="110000"/>
+                <a:lumMod val="100000"/>
+                <a:shade val="100000"/>
+              </a:schemeClr>
+            </a:gs>
+            <a:gs pos="100000">
+              <a:schemeClr val="phClr">
+                <a:lumMod val="99000"/>
+                <a:satMod val="120000"/>
+                <a:shade val="78000"/>
+              </a:schemeClr>
+            </a:gs>
+          </a:gsLst>
+          <a:lin ang="5400000" scaled="0"/>
+        </a:gradFill>
+      </a:fillStyleLst>
+      <a:lnStyleLst>
+        <a:ln w="6350" cap="flat" cmpd="sng" algn="ctr">
+          <a:solidFill>
+            <a:schemeClr val="phClr"/>
+          </a:solidFill>
+          <a:prstDash val="solid"/>
+          <a:miter lim="800000"/>
+        </a:ln>
+        <a:ln w="12700" cap="flat" cmpd="sng" algn="ctr">
+          <a:solidFill>
+            <a:schemeClr val="phClr"/>
+          </a:solidFill>
+          <a:prstDash val="solid"/>
+          <a:miter lim="800000"/>
+        </a:ln>
+        <a:ln w="19050" cap="flat" cmpd="sng" algn="ctr">
+          <a:solidFill>
+            <a:schemeClr val="phClr"/>
+          </a:solidFill>
+          <a:prstDash val="solid"/>
+          <a:miter lim="800000"/>
+        </a:ln>
+      </a:lnStyleLst>
+      <a:effectStyleLst>
+        <a:effectStyle>
+          <a:effectLst/>
+        </a:effectStyle>
+        <a:effectStyle>
+          <a:effectLst/>
+        </a:effectStyle>
+        <a:effectStyle>
+          <a:effectLst>
+            <a:outerShdw blurRad="57150" dist="19050" dir="5400000" algn="ctr" rotWithShape="0">
+              <a:srgbClr val="000000">
+                <a:alpha val="63000"/>
+              </a:srgbClr>
+            </a:outerShdw>
+          </a:effectLst>
+        </a:effectStyle>
+      </a:effectStyleLst>
+      <a:bgFillStyleLst>
+        <a:solidFill>
+          <a:schemeClr val="phClr"/>
+        </a:solidFill>
+        <a:solidFill>
+          <a:schemeClr val="phClr">
+            <a:tint val="95000"/>
+            <a:satMod val="170000"/>
+          </a:schemeClr>
+        </a:solidFill>
+        <a:gradFill rotWithShape="1">
+          <a:gsLst>
+            <a:gs pos="0">
+              <a:schemeClr val="phClr">
+                <a:tint val="93000"/>
+                <a:satMod val="150000"/>
+                <a:shade val="98000"/>
+                <a:lumMod val="102000"/>
+              </a:schemeClr>
+            </a:gs>
+            <a:gs pos="50000">
+              <a:schemeClr val="phClr">
+                <a:tint val="98000"/>
+                <a:satMod val="130000"/>
+                <a:shade val="90000"/>
+                <a:lumMod val="103000"/>
+              </a:schemeClr>
+            </a:gs>
+            <a:gs pos="100000">
+              <a:schemeClr val="phClr">
+                <a:shade val="63000"/>
+                <a:satMod val="120000"/>
+              </a:schemeClr>
+            </a:gs>
+          </a:gsLst>
+          <a:lin ang="5400000" scaled="0"/>
+        </a:gradFill>
+      </a:bgFillStyleLst>
+    </a:fmtScheme>
+  </a:themeElements>
+  <a:extLst>
+    <a:ext uri="{05A4C25C-085E-4340-85A3-A5531E510DB2}">
+      <thm15:themeFamily xmlns:thm15="http://schemas.microsoft.com/office/thememl/2012/main" name="Office Theme" id="{62F939B6-93AF-4DB8-9C6B-D6C7DFDC589F}" vid="{4A3C46E8-61CC-4603-A589-7422A47A8E4A}"/>
+    </a:ext>
+  </a:extLst>
+</a:theme>
 </file>